--- a/doc/온라인 게임 서버 - 기초편.pptx
+++ b/doc/온라인 게임 서버 - 기초편.pptx
@@ -13,6 +13,20 @@
     <p:sldId id="261" r:id="rId7"/>
     <p:sldId id="262" r:id="rId8"/>
     <p:sldId id="263" r:id="rId9"/>
+    <p:sldId id="264" r:id="rId10"/>
+    <p:sldId id="265" r:id="rId11"/>
+    <p:sldId id="266" r:id="rId12"/>
+    <p:sldId id="267" r:id="rId13"/>
+    <p:sldId id="268" r:id="rId14"/>
+    <p:sldId id="269" r:id="rId15"/>
+    <p:sldId id="270" r:id="rId16"/>
+    <p:sldId id="271" r:id="rId17"/>
+    <p:sldId id="272" r:id="rId18"/>
+    <p:sldId id="273" r:id="rId19"/>
+    <p:sldId id="274" r:id="rId20"/>
+    <p:sldId id="275" r:id="rId21"/>
+    <p:sldId id="276" r:id="rId22"/>
+    <p:sldId id="278" r:id="rId23"/>
   </p:sldIdLst>
   <p:sldSz cx="12192000" cy="6858000"/>
   <p:notesSz cx="6858000" cy="9144000"/>
@@ -3386,6 +3400,1884 @@
 </p:sld>
 </file>
 
+<file path=ppt/slides/slide10.xml><?xml version="1.0" encoding="utf-8"?>
+<p:sld xmlns:a="http://schemas.openxmlformats.org/drawingml/2006/main" xmlns:r="http://schemas.openxmlformats.org/officeDocument/2006/relationships" xmlns:p="http://schemas.openxmlformats.org/presentationml/2006/main">
+  <p:cSld>
+    <p:spTree>
+      <p:nvGrpSpPr>
+        <p:cNvPr id="1" name=""/>
+        <p:cNvGrpSpPr/>
+        <p:nvPr/>
+      </p:nvGrpSpPr>
+      <p:grpSpPr>
+        <a:xfrm>
+          <a:off x="0" y="0"/>
+          <a:ext cx="0" cy="0"/>
+          <a:chOff x="0" y="0"/>
+          <a:chExt cx="0" cy="0"/>
+        </a:xfrm>
+      </p:grpSpPr>
+      <p:sp>
+        <p:nvSpPr>
+          <p:cNvPr id="2" name="제목 1">
+            <a:extLst>
+              <a:ext uri="{FF2B5EF4-FFF2-40B4-BE49-F238E27FC236}">
+                <a16:creationId xmlns:a16="http://schemas.microsoft.com/office/drawing/2014/main" id="{8EAD3E2C-69EF-4650-AC60-F83369E1EF60}"/>
+              </a:ext>
+            </a:extLst>
+          </p:cNvPr>
+          <p:cNvSpPr>
+            <a:spLocks noGrp="1"/>
+          </p:cNvSpPr>
+          <p:nvPr>
+            <p:ph type="title"/>
+          </p:nvPr>
+        </p:nvSpPr>
+        <p:spPr/>
+        <p:txBody>
+          <a:bodyPr>
+            <a:normAutofit/>
+          </a:bodyPr>
+          <a:lstStyle/>
+          <a:p>
+            <a:r>
+              <a:rPr lang="en-US" altLang="ko-KR" sz="3000" dirty="0"/>
+              <a:t>2-2-1-2</a:t>
+            </a:r>
+            <a:r>
+              <a:rPr lang="ko-KR" altLang="en-US" sz="3000" dirty="0"/>
+              <a:t> </a:t>
+            </a:r>
+            <a:r>
+              <a:rPr lang="en-US" altLang="ko-KR" sz="3000" dirty="0" err="1"/>
+              <a:t>int</a:t>
+            </a:r>
+            <a:r>
+              <a:rPr lang="en-US" altLang="ko-KR" sz="3000" dirty="0"/>
+              <a:t> connect(SOCKET s,</a:t>
+            </a:r>
+            <a:r>
+              <a:rPr lang="ko-KR" altLang="en-US" sz="3000" dirty="0"/>
+              <a:t> </a:t>
+            </a:r>
+            <a:r>
+              <a:rPr lang="en-US" altLang="ko-KR" sz="3000" dirty="0" err="1"/>
+              <a:t>const</a:t>
+            </a:r>
+            <a:r>
+              <a:rPr lang="en-US" altLang="ko-KR" sz="3000" dirty="0"/>
+              <a:t> </a:t>
+            </a:r>
+            <a:r>
+              <a:rPr lang="en-US" altLang="ko-KR" sz="3000" dirty="0" err="1"/>
+              <a:t>struct</a:t>
+            </a:r>
+            <a:r>
+              <a:rPr lang="en-US" altLang="ko-KR" sz="3000" dirty="0"/>
+              <a:t> </a:t>
+            </a:r>
+            <a:r>
+              <a:rPr lang="en-US" altLang="ko-KR" sz="3000" dirty="0" err="1"/>
+              <a:t>sockddr</a:t>
+            </a:r>
+            <a:r>
+              <a:rPr lang="en-US" altLang="ko-KR" sz="3000" dirty="0"/>
+              <a:t> FAR* name, </a:t>
+            </a:r>
+            <a:r>
+              <a:rPr lang="en-US" altLang="ko-KR" sz="3000" dirty="0" err="1"/>
+              <a:t>int</a:t>
+            </a:r>
+            <a:r>
+              <a:rPr lang="en-US" altLang="ko-KR" sz="3000" dirty="0"/>
+              <a:t> </a:t>
+            </a:r>
+            <a:r>
+              <a:rPr lang="en-US" altLang="ko-KR" sz="3000" dirty="0" err="1"/>
+              <a:t>namelen</a:t>
+            </a:r>
+            <a:r>
+              <a:rPr lang="en-US" altLang="ko-KR" sz="3000" dirty="0"/>
+              <a:t>)</a:t>
+            </a:r>
+            <a:endParaRPr lang="ko-KR" altLang="en-US" sz="3000" dirty="0"/>
+          </a:p>
+        </p:txBody>
+      </p:sp>
+      <p:sp>
+        <p:nvSpPr>
+          <p:cNvPr id="3" name="내용 개체 틀 2">
+            <a:extLst>
+              <a:ext uri="{FF2B5EF4-FFF2-40B4-BE49-F238E27FC236}">
+                <a16:creationId xmlns:a16="http://schemas.microsoft.com/office/drawing/2014/main" id="{6B9A8DAC-9900-4746-986E-2E7818F8FDF9}"/>
+              </a:ext>
+            </a:extLst>
+          </p:cNvPr>
+          <p:cNvSpPr>
+            <a:spLocks noGrp="1"/>
+          </p:cNvSpPr>
+          <p:nvPr>
+            <p:ph idx="1"/>
+          </p:nvPr>
+        </p:nvSpPr>
+        <p:spPr/>
+        <p:txBody>
+          <a:bodyPr/>
+          <a:lstStyle/>
+          <a:p>
+            <a:pPr lvl="1"/>
+            <a:endParaRPr lang="en-US" altLang="ko-KR" dirty="0"/>
+          </a:p>
+          <a:p>
+            <a:r>
+              <a:rPr lang="ko-KR" altLang="en-US" dirty="0"/>
+              <a:t>생성된 소켓을 설정뙨 주소의 호스트로 접속시켜줌</a:t>
+            </a:r>
+            <a:endParaRPr lang="en-US" altLang="ko-KR" dirty="0"/>
+          </a:p>
+          <a:p>
+            <a:pPr lvl="1"/>
+            <a:r>
+              <a:rPr lang="ko-KR" altLang="en-US" dirty="0"/>
+              <a:t>실패시 </a:t>
+            </a:r>
+            <a:r>
+              <a:rPr lang="en-US" altLang="ko-KR" dirty="0"/>
+              <a:t>SOCKET_ERROR </a:t>
+            </a:r>
+            <a:r>
+              <a:rPr lang="ko-KR" altLang="en-US" dirty="0"/>
+              <a:t>반환</a:t>
+            </a:r>
+            <a:endParaRPr lang="en-US" altLang="ko-KR" dirty="0"/>
+          </a:p>
+          <a:p>
+            <a:pPr lvl="1"/>
+            <a:r>
+              <a:rPr lang="ko-KR" altLang="en-US" dirty="0"/>
+              <a:t>첫번쨰 인자는 소켓</a:t>
+            </a:r>
+            <a:endParaRPr lang="en-US" altLang="ko-KR" dirty="0"/>
+          </a:p>
+          <a:p>
+            <a:pPr lvl="1"/>
+            <a:r>
+              <a:rPr lang="ko-KR" altLang="en-US" dirty="0"/>
+              <a:t>두번쨰 인자는 접속할 호스트 정보를 담은 구조체 포인터</a:t>
+            </a:r>
+            <a:endParaRPr lang="en-US" altLang="ko-KR" dirty="0"/>
+          </a:p>
+          <a:p>
+            <a:pPr lvl="1"/>
+            <a:r>
+              <a:rPr lang="ko-KR" altLang="en-US" dirty="0"/>
+              <a:t>세번째는 호스트 정보의 길이</a:t>
+            </a:r>
+            <a:r>
+              <a:rPr lang="en-US" altLang="ko-KR" dirty="0"/>
+              <a:t>(C</a:t>
+            </a:r>
+            <a:r>
+              <a:rPr lang="ko-KR" altLang="en-US" dirty="0"/>
+              <a:t>랭 미</a:t>
+            </a:r>
+            <a:r>
+              <a:rPr lang="en-US" altLang="ko-KR" dirty="0"/>
+              <a:t>-</a:t>
+            </a:r>
+            <a:r>
+              <a:rPr lang="ko-KR" altLang="en-US" dirty="0"/>
+              <a:t>개</a:t>
+            </a:r>
+            <a:r>
+              <a:rPr lang="en-US" altLang="ko-KR" dirty="0"/>
+              <a:t>)</a:t>
+            </a:r>
+          </a:p>
+        </p:txBody>
+      </p:sp>
+    </p:spTree>
+    <p:extLst>
+      <p:ext uri="{BB962C8B-B14F-4D97-AF65-F5344CB8AC3E}">
+        <p14:creationId xmlns:p14="http://schemas.microsoft.com/office/powerpoint/2010/main" val="53369379"/>
+      </p:ext>
+    </p:extLst>
+  </p:cSld>
+  <p:clrMapOvr>
+    <a:masterClrMapping/>
+  </p:clrMapOvr>
+</p:sld>
+</file>
+
+<file path=ppt/slides/slide11.xml><?xml version="1.0" encoding="utf-8"?>
+<p:sld xmlns:a="http://schemas.openxmlformats.org/drawingml/2006/main" xmlns:r="http://schemas.openxmlformats.org/officeDocument/2006/relationships" xmlns:p="http://schemas.openxmlformats.org/presentationml/2006/main">
+  <p:cSld>
+    <p:spTree>
+      <p:nvGrpSpPr>
+        <p:cNvPr id="1" name=""/>
+        <p:cNvGrpSpPr/>
+        <p:nvPr/>
+      </p:nvGrpSpPr>
+      <p:grpSpPr>
+        <a:xfrm>
+          <a:off x="0" y="0"/>
+          <a:ext cx="0" cy="0"/>
+          <a:chOff x="0" y="0"/>
+          <a:chExt cx="0" cy="0"/>
+        </a:xfrm>
+      </p:grpSpPr>
+      <p:sp>
+        <p:nvSpPr>
+          <p:cNvPr id="2" name="제목 1">
+            <a:extLst>
+              <a:ext uri="{FF2B5EF4-FFF2-40B4-BE49-F238E27FC236}">
+                <a16:creationId xmlns:a16="http://schemas.microsoft.com/office/drawing/2014/main" id="{8EAD3E2C-69EF-4650-AC60-F83369E1EF60}"/>
+              </a:ext>
+            </a:extLst>
+          </p:cNvPr>
+          <p:cNvSpPr>
+            <a:spLocks noGrp="1"/>
+          </p:cNvSpPr>
+          <p:nvPr>
+            <p:ph type="title"/>
+          </p:nvPr>
+        </p:nvSpPr>
+        <p:spPr/>
+        <p:txBody>
+          <a:bodyPr>
+            <a:normAutofit/>
+          </a:bodyPr>
+          <a:lstStyle/>
+          <a:p>
+            <a:r>
+              <a:rPr lang="en-US" altLang="ko-KR" sz="3000" dirty="0"/>
+              <a:t>2-2-1-3</a:t>
+            </a:r>
+            <a:r>
+              <a:rPr lang="ko-KR" altLang="en-US" sz="3000" dirty="0"/>
+              <a:t> </a:t>
+            </a:r>
+            <a:r>
+              <a:rPr lang="en-US" altLang="ko-KR" sz="3000" dirty="0" err="1"/>
+              <a:t>int</a:t>
+            </a:r>
+            <a:r>
+              <a:rPr lang="ko-KR" altLang="en-US" sz="3000" dirty="0"/>
+              <a:t> </a:t>
+            </a:r>
+            <a:r>
+              <a:rPr lang="en-US" altLang="ko-KR" sz="3000" dirty="0"/>
+              <a:t>bind(SOCKET s,</a:t>
+            </a:r>
+            <a:r>
+              <a:rPr lang="ko-KR" altLang="en-US" sz="3000" dirty="0"/>
+              <a:t> </a:t>
+            </a:r>
+            <a:r>
+              <a:rPr lang="en-US" altLang="ko-KR" sz="3000" dirty="0" err="1"/>
+              <a:t>const</a:t>
+            </a:r>
+            <a:r>
+              <a:rPr lang="en-US" altLang="ko-KR" sz="3000" dirty="0"/>
+              <a:t> </a:t>
+            </a:r>
+            <a:r>
+              <a:rPr lang="en-US" altLang="ko-KR" sz="3000" dirty="0" err="1"/>
+              <a:t>struct</a:t>
+            </a:r>
+            <a:r>
+              <a:rPr lang="en-US" altLang="ko-KR" sz="3000" dirty="0"/>
+              <a:t> </a:t>
+            </a:r>
+            <a:r>
+              <a:rPr lang="en-US" altLang="ko-KR" sz="3000" dirty="0" err="1"/>
+              <a:t>sockddr</a:t>
+            </a:r>
+            <a:r>
+              <a:rPr lang="en-US" altLang="ko-KR" sz="3000" dirty="0"/>
+              <a:t> FAR* name, </a:t>
+            </a:r>
+            <a:r>
+              <a:rPr lang="en-US" altLang="ko-KR" sz="3000" dirty="0" err="1"/>
+              <a:t>int</a:t>
+            </a:r>
+            <a:r>
+              <a:rPr lang="en-US" altLang="ko-KR" sz="3000" dirty="0"/>
+              <a:t> </a:t>
+            </a:r>
+            <a:r>
+              <a:rPr lang="en-US" altLang="ko-KR" sz="3000" dirty="0" err="1"/>
+              <a:t>namelen</a:t>
+            </a:r>
+            <a:r>
+              <a:rPr lang="en-US" altLang="ko-KR" sz="3000" dirty="0"/>
+              <a:t>)</a:t>
+            </a:r>
+            <a:endParaRPr lang="ko-KR" altLang="en-US" sz="3000" dirty="0"/>
+          </a:p>
+        </p:txBody>
+      </p:sp>
+      <p:sp>
+        <p:nvSpPr>
+          <p:cNvPr id="3" name="내용 개체 틀 2">
+            <a:extLst>
+              <a:ext uri="{FF2B5EF4-FFF2-40B4-BE49-F238E27FC236}">
+                <a16:creationId xmlns:a16="http://schemas.microsoft.com/office/drawing/2014/main" id="{6B9A8DAC-9900-4746-986E-2E7818F8FDF9}"/>
+              </a:ext>
+            </a:extLst>
+          </p:cNvPr>
+          <p:cNvSpPr>
+            <a:spLocks noGrp="1"/>
+          </p:cNvSpPr>
+          <p:nvPr>
+            <p:ph idx="1"/>
+          </p:nvPr>
+        </p:nvSpPr>
+        <p:spPr/>
+        <p:txBody>
+          <a:bodyPr/>
+          <a:lstStyle/>
+          <a:p>
+            <a:pPr lvl="1"/>
+            <a:endParaRPr lang="en-US" altLang="ko-KR" dirty="0"/>
+          </a:p>
+          <a:p>
+            <a:r>
+              <a:rPr lang="ko-KR" altLang="en-US" dirty="0"/>
+              <a:t>생성된 소켓에다가 호스트 주소를 연결시켜줌</a:t>
+            </a:r>
+            <a:endParaRPr lang="en-US" altLang="ko-KR" dirty="0"/>
+          </a:p>
+          <a:p>
+            <a:pPr lvl="1"/>
+            <a:r>
+              <a:rPr lang="ko-KR" altLang="en-US" dirty="0"/>
+              <a:t>실패시 </a:t>
+            </a:r>
+            <a:r>
+              <a:rPr lang="en-US" altLang="ko-KR" dirty="0"/>
+              <a:t>SOCKET_ERROR </a:t>
+            </a:r>
+            <a:r>
+              <a:rPr lang="ko-KR" altLang="en-US" dirty="0"/>
+              <a:t>반환</a:t>
+            </a:r>
+            <a:endParaRPr lang="en-US" altLang="ko-KR" dirty="0"/>
+          </a:p>
+          <a:p>
+            <a:pPr lvl="1"/>
+            <a:r>
+              <a:rPr lang="ko-KR" altLang="en-US" dirty="0"/>
+              <a:t>첫번째 인자는 소켓</a:t>
+            </a:r>
+            <a:endParaRPr lang="en-US" altLang="ko-KR" dirty="0"/>
+          </a:p>
+          <a:p>
+            <a:pPr lvl="1"/>
+            <a:r>
+              <a:rPr lang="ko-KR" altLang="en-US" dirty="0"/>
+              <a:t>두번째 인자는 호스트 정보를 담은 구조체 포인터</a:t>
+            </a:r>
+            <a:endParaRPr lang="en-US" altLang="ko-KR" dirty="0"/>
+          </a:p>
+          <a:p>
+            <a:pPr lvl="1"/>
+            <a:r>
+              <a:rPr lang="ko-KR" altLang="en-US" dirty="0"/>
+              <a:t>세번째 미개한거</a:t>
+            </a:r>
+            <a:endParaRPr lang="en-US" altLang="ko-KR" dirty="0"/>
+          </a:p>
+          <a:p>
+            <a:pPr lvl="1"/>
+            <a:endParaRPr lang="en-US" altLang="ko-KR" dirty="0"/>
+          </a:p>
+        </p:txBody>
+      </p:sp>
+    </p:spTree>
+    <p:extLst>
+      <p:ext uri="{BB962C8B-B14F-4D97-AF65-F5344CB8AC3E}">
+        <p14:creationId xmlns:p14="http://schemas.microsoft.com/office/powerpoint/2010/main" val="3370605838"/>
+      </p:ext>
+    </p:extLst>
+  </p:cSld>
+  <p:clrMapOvr>
+    <a:masterClrMapping/>
+  </p:clrMapOvr>
+</p:sld>
+</file>
+
+<file path=ppt/slides/slide12.xml><?xml version="1.0" encoding="utf-8"?>
+<p:sld xmlns:a="http://schemas.openxmlformats.org/drawingml/2006/main" xmlns:r="http://schemas.openxmlformats.org/officeDocument/2006/relationships" xmlns:p="http://schemas.openxmlformats.org/presentationml/2006/main">
+  <p:cSld>
+    <p:spTree>
+      <p:nvGrpSpPr>
+        <p:cNvPr id="1" name=""/>
+        <p:cNvGrpSpPr/>
+        <p:nvPr/>
+      </p:nvGrpSpPr>
+      <p:grpSpPr>
+        <a:xfrm>
+          <a:off x="0" y="0"/>
+          <a:ext cx="0" cy="0"/>
+          <a:chOff x="0" y="0"/>
+          <a:chExt cx="0" cy="0"/>
+        </a:xfrm>
+      </p:grpSpPr>
+      <p:sp>
+        <p:nvSpPr>
+          <p:cNvPr id="2" name="제목 1">
+            <a:extLst>
+              <a:ext uri="{FF2B5EF4-FFF2-40B4-BE49-F238E27FC236}">
+                <a16:creationId xmlns:a16="http://schemas.microsoft.com/office/drawing/2014/main" id="{8EAD3E2C-69EF-4650-AC60-F83369E1EF60}"/>
+              </a:ext>
+            </a:extLst>
+          </p:cNvPr>
+          <p:cNvSpPr>
+            <a:spLocks noGrp="1"/>
+          </p:cNvSpPr>
+          <p:nvPr>
+            <p:ph type="title"/>
+          </p:nvPr>
+        </p:nvSpPr>
+        <p:spPr/>
+        <p:txBody>
+          <a:bodyPr>
+            <a:normAutofit/>
+          </a:bodyPr>
+          <a:lstStyle/>
+          <a:p>
+            <a:r>
+              <a:rPr lang="en-US" altLang="ko-KR" sz="3000" dirty="0"/>
+              <a:t>2-2-1-4</a:t>
+            </a:r>
+            <a:r>
+              <a:rPr lang="ko-KR" altLang="en-US" sz="3000" dirty="0"/>
+              <a:t> </a:t>
+            </a:r>
+            <a:r>
+              <a:rPr lang="en-US" altLang="ko-KR" sz="3000" dirty="0" err="1"/>
+              <a:t>int</a:t>
+            </a:r>
+            <a:r>
+              <a:rPr lang="ko-KR" altLang="en-US" sz="3000" dirty="0"/>
+              <a:t> </a:t>
+            </a:r>
+            <a:r>
+              <a:rPr lang="en-US" altLang="ko-KR" sz="3000" dirty="0"/>
+              <a:t>listen(SOCKET s, </a:t>
+            </a:r>
+            <a:r>
+              <a:rPr lang="en-US" altLang="ko-KR" sz="3000" dirty="0" err="1"/>
+              <a:t>int</a:t>
+            </a:r>
+            <a:r>
+              <a:rPr lang="en-US" altLang="ko-KR" sz="3000" dirty="0"/>
+              <a:t> backlog)</a:t>
+            </a:r>
+            <a:endParaRPr lang="ko-KR" altLang="en-US" sz="3000" dirty="0"/>
+          </a:p>
+        </p:txBody>
+      </p:sp>
+      <p:sp>
+        <p:nvSpPr>
+          <p:cNvPr id="3" name="내용 개체 틀 2">
+            <a:extLst>
+              <a:ext uri="{FF2B5EF4-FFF2-40B4-BE49-F238E27FC236}">
+                <a16:creationId xmlns:a16="http://schemas.microsoft.com/office/drawing/2014/main" id="{6B9A8DAC-9900-4746-986E-2E7818F8FDF9}"/>
+              </a:ext>
+            </a:extLst>
+          </p:cNvPr>
+          <p:cNvSpPr>
+            <a:spLocks noGrp="1"/>
+          </p:cNvSpPr>
+          <p:nvPr>
+            <p:ph idx="1"/>
+          </p:nvPr>
+        </p:nvSpPr>
+        <p:spPr/>
+        <p:txBody>
+          <a:bodyPr/>
+          <a:lstStyle/>
+          <a:p>
+            <a:pPr lvl="1"/>
+            <a:endParaRPr lang="en-US" altLang="ko-KR" dirty="0"/>
+          </a:p>
+          <a:p>
+            <a:r>
+              <a:rPr lang="ko-KR" altLang="en-US" dirty="0"/>
+              <a:t>클라이언트 접속 받기위해 윈속에 소켓을 등록함</a:t>
+            </a:r>
+            <a:endParaRPr lang="en-US" altLang="ko-KR" dirty="0"/>
+          </a:p>
+          <a:p>
+            <a:pPr lvl="1"/>
+            <a:r>
+              <a:rPr lang="ko-KR" altLang="en-US" dirty="0"/>
+              <a:t>윈속은 </a:t>
+            </a:r>
+            <a:r>
+              <a:rPr lang="en-US" altLang="ko-KR" dirty="0"/>
+              <a:t>OS</a:t>
+            </a:r>
+            <a:r>
+              <a:rPr lang="ko-KR" altLang="en-US" dirty="0"/>
+              <a:t>단에서 컨트롤하는것</a:t>
+            </a:r>
+            <a:endParaRPr lang="en-US" altLang="ko-KR" dirty="0"/>
+          </a:p>
+          <a:p>
+            <a:pPr lvl="1"/>
+            <a:r>
+              <a:rPr lang="ko-KR" altLang="en-US" dirty="0"/>
+              <a:t>또한 접속큐의 크기도 정함</a:t>
+            </a:r>
+            <a:endParaRPr lang="en-US" altLang="ko-KR" dirty="0"/>
+          </a:p>
+          <a:p>
+            <a:pPr lvl="1"/>
+            <a:r>
+              <a:rPr lang="ko-KR" altLang="en-US" dirty="0"/>
+              <a:t>첫번째인자는 소켓</a:t>
+            </a:r>
+            <a:r>
+              <a:rPr lang="en-US" altLang="ko-KR" dirty="0"/>
+              <a:t>(</a:t>
+            </a:r>
+            <a:r>
+              <a:rPr lang="ko-KR" altLang="en-US" dirty="0"/>
+              <a:t>이제 생략할래</a:t>
+            </a:r>
+            <a:r>
+              <a:rPr lang="en-US" altLang="ko-KR" dirty="0"/>
+              <a:t>,</a:t>
+            </a:r>
+            <a:r>
+              <a:rPr lang="ko-KR" altLang="en-US" dirty="0"/>
+              <a:t> 미</a:t>
+            </a:r>
+            <a:r>
+              <a:rPr lang="en-US" altLang="ko-KR" dirty="0"/>
+              <a:t>-</a:t>
+            </a:r>
+            <a:r>
+              <a:rPr lang="ko-KR" altLang="en-US" dirty="0"/>
+              <a:t>개</a:t>
+            </a:r>
+            <a:r>
+              <a:rPr lang="en-US" altLang="ko-KR" dirty="0"/>
+              <a:t>)</a:t>
+            </a:r>
+          </a:p>
+          <a:p>
+            <a:pPr lvl="1"/>
+            <a:r>
+              <a:rPr lang="ko-KR" altLang="en-US" dirty="0"/>
+              <a:t>두번째 큐의 크기</a:t>
+            </a:r>
+            <a:endParaRPr lang="en-US" altLang="ko-KR" dirty="0"/>
+          </a:p>
+        </p:txBody>
+      </p:sp>
+    </p:spTree>
+    <p:extLst>
+      <p:ext uri="{BB962C8B-B14F-4D97-AF65-F5344CB8AC3E}">
+        <p14:creationId xmlns:p14="http://schemas.microsoft.com/office/powerpoint/2010/main" val="1806068938"/>
+      </p:ext>
+    </p:extLst>
+  </p:cSld>
+  <p:clrMapOvr>
+    <a:masterClrMapping/>
+  </p:clrMapOvr>
+</p:sld>
+</file>
+
+<file path=ppt/slides/slide13.xml><?xml version="1.0" encoding="utf-8"?>
+<p:sld xmlns:a="http://schemas.openxmlformats.org/drawingml/2006/main" xmlns:r="http://schemas.openxmlformats.org/officeDocument/2006/relationships" xmlns:p="http://schemas.openxmlformats.org/presentationml/2006/main">
+  <p:cSld>
+    <p:spTree>
+      <p:nvGrpSpPr>
+        <p:cNvPr id="1" name=""/>
+        <p:cNvGrpSpPr/>
+        <p:nvPr/>
+      </p:nvGrpSpPr>
+      <p:grpSpPr>
+        <a:xfrm>
+          <a:off x="0" y="0"/>
+          <a:ext cx="0" cy="0"/>
+          <a:chOff x="0" y="0"/>
+          <a:chExt cx="0" cy="0"/>
+        </a:xfrm>
+      </p:grpSpPr>
+      <p:sp>
+        <p:nvSpPr>
+          <p:cNvPr id="2" name="제목 1">
+            <a:extLst>
+              <a:ext uri="{FF2B5EF4-FFF2-40B4-BE49-F238E27FC236}">
+                <a16:creationId xmlns:a16="http://schemas.microsoft.com/office/drawing/2014/main" id="{8EAD3E2C-69EF-4650-AC60-F83369E1EF60}"/>
+              </a:ext>
+            </a:extLst>
+          </p:cNvPr>
+          <p:cNvSpPr>
+            <a:spLocks noGrp="1"/>
+          </p:cNvSpPr>
+          <p:nvPr>
+            <p:ph type="title"/>
+          </p:nvPr>
+        </p:nvSpPr>
+        <p:spPr/>
+        <p:txBody>
+          <a:bodyPr>
+            <a:normAutofit/>
+          </a:bodyPr>
+          <a:lstStyle/>
+          <a:p>
+            <a:r>
+              <a:rPr lang="en-US" altLang="ko-KR" sz="3000" dirty="0"/>
+              <a:t>2-2-1-5</a:t>
+            </a:r>
+            <a:r>
+              <a:rPr lang="ko-KR" altLang="en-US" sz="3000" dirty="0"/>
+              <a:t> </a:t>
+            </a:r>
+            <a:r>
+              <a:rPr lang="en-US" altLang="ko-KR" sz="3000" dirty="0"/>
+              <a:t>SOCKET</a:t>
+            </a:r>
+            <a:r>
+              <a:rPr lang="ko-KR" altLang="en-US" sz="3000" dirty="0"/>
+              <a:t> </a:t>
+            </a:r>
+            <a:r>
+              <a:rPr lang="en-US" altLang="ko-KR" sz="3000" dirty="0"/>
+              <a:t>accept(SOCKET s, </a:t>
+            </a:r>
+            <a:r>
+              <a:rPr lang="en-US" altLang="ko-KR" sz="3000" dirty="0" err="1"/>
+              <a:t>struct</a:t>
+            </a:r>
+            <a:r>
+              <a:rPr lang="en-US" altLang="ko-KR" sz="3000" dirty="0"/>
+              <a:t> </a:t>
+            </a:r>
+            <a:r>
+              <a:rPr lang="en-US" altLang="ko-KR" sz="3000" dirty="0" err="1"/>
+              <a:t>sockaddr</a:t>
+            </a:r>
+            <a:r>
+              <a:rPr lang="en-US" altLang="ko-KR" sz="3000" dirty="0"/>
+              <a:t> FAR* </a:t>
+            </a:r>
+            <a:r>
+              <a:rPr lang="en-US" altLang="ko-KR" sz="3000" dirty="0" err="1"/>
+              <a:t>addr</a:t>
+            </a:r>
+            <a:r>
+              <a:rPr lang="en-US" altLang="ko-KR" sz="3000" dirty="0"/>
+              <a:t>, </a:t>
+            </a:r>
+            <a:r>
+              <a:rPr lang="en-US" altLang="ko-KR" sz="3000" dirty="0" err="1"/>
+              <a:t>int</a:t>
+            </a:r>
+            <a:r>
+              <a:rPr lang="en-US" altLang="ko-KR" sz="3000" dirty="0"/>
+              <a:t> FAR* </a:t>
+            </a:r>
+            <a:r>
+              <a:rPr lang="en-US" altLang="ko-KR" sz="3000" dirty="0" err="1"/>
+              <a:t>addrlen</a:t>
+            </a:r>
+            <a:r>
+              <a:rPr lang="en-US" altLang="ko-KR" sz="3000" dirty="0"/>
+              <a:t>)</a:t>
+            </a:r>
+            <a:endParaRPr lang="ko-KR" altLang="en-US" sz="3000" dirty="0"/>
+          </a:p>
+        </p:txBody>
+      </p:sp>
+      <p:sp>
+        <p:nvSpPr>
+          <p:cNvPr id="3" name="내용 개체 틀 2">
+            <a:extLst>
+              <a:ext uri="{FF2B5EF4-FFF2-40B4-BE49-F238E27FC236}">
+                <a16:creationId xmlns:a16="http://schemas.microsoft.com/office/drawing/2014/main" id="{6B9A8DAC-9900-4746-986E-2E7818F8FDF9}"/>
+              </a:ext>
+            </a:extLst>
+          </p:cNvPr>
+          <p:cNvSpPr>
+            <a:spLocks noGrp="1"/>
+          </p:cNvSpPr>
+          <p:nvPr>
+            <p:ph idx="1"/>
+          </p:nvPr>
+        </p:nvSpPr>
+        <p:spPr/>
+        <p:txBody>
+          <a:bodyPr/>
+          <a:lstStyle/>
+          <a:p>
+            <a:pPr lvl="1"/>
+            <a:endParaRPr lang="en-US" altLang="ko-KR" dirty="0"/>
+          </a:p>
+          <a:p>
+            <a:r>
+              <a:rPr lang="ko-KR" altLang="en-US" dirty="0"/>
+              <a:t>연결을 받고 연결된 소켓과 연결된 소켓의 정보를 얻어온다</a:t>
+            </a:r>
+            <a:r>
+              <a:rPr lang="en-US" altLang="ko-KR" dirty="0"/>
+              <a:t>.</a:t>
+            </a:r>
+          </a:p>
+          <a:p>
+            <a:pPr lvl="1"/>
+            <a:r>
+              <a:rPr lang="ko-KR" altLang="en-US" dirty="0"/>
+              <a:t>연결된 소켓 반환</a:t>
+            </a:r>
+            <a:endParaRPr lang="en-US" altLang="ko-KR" dirty="0"/>
+          </a:p>
+          <a:p>
+            <a:pPr lvl="1"/>
+            <a:r>
+              <a:rPr lang="ko-KR" altLang="en-US" dirty="0"/>
+              <a:t>두번째 인자 연결된 소켓의 호스트 정보를 담을 포인터</a:t>
+            </a:r>
+            <a:endParaRPr lang="en-US" altLang="ko-KR" dirty="0"/>
+          </a:p>
+          <a:p>
+            <a:pPr lvl="1"/>
+            <a:r>
+              <a:rPr lang="ko-KR" altLang="en-US" dirty="0"/>
+              <a:t>두번째 인자의 크기를 담을 포인터</a:t>
+            </a:r>
+            <a:endParaRPr lang="en-US" altLang="ko-KR" dirty="0"/>
+          </a:p>
+          <a:p>
+            <a:pPr lvl="1"/>
+            <a:r>
+              <a:rPr lang="ko-KR" altLang="en-US" dirty="0"/>
+              <a:t>연결을 받기위해선 이 함수를 사용해야하는데 기본적으로 블럭킹이라 연결을 실제로 하기 전까지 멈춰있음</a:t>
+            </a:r>
+            <a:r>
+              <a:rPr lang="en-US" altLang="ko-KR" dirty="0"/>
+              <a:t>,</a:t>
+            </a:r>
+            <a:r>
+              <a:rPr lang="ko-KR" altLang="en-US" dirty="0"/>
+              <a:t> 스레딩이나 비동기 </a:t>
+            </a:r>
+            <a:r>
+              <a:rPr lang="en-US" altLang="ko-KR" dirty="0"/>
+              <a:t>IO</a:t>
+            </a:r>
+            <a:r>
+              <a:rPr lang="ko-KR" altLang="en-US" dirty="0"/>
+              <a:t>로 해야함</a:t>
+            </a:r>
+            <a:endParaRPr lang="en-US" altLang="ko-KR" dirty="0"/>
+          </a:p>
+          <a:p>
+            <a:pPr lvl="1"/>
+            <a:r>
+              <a:rPr lang="ko-KR" altLang="en-US" dirty="0"/>
+              <a:t>여기서 잠깐</a:t>
+            </a:r>
+            <a:r>
+              <a:rPr lang="en-US" altLang="ko-KR" dirty="0"/>
+              <a:t>,</a:t>
+            </a:r>
+            <a:r>
+              <a:rPr lang="ko-KR" altLang="en-US" dirty="0"/>
+              <a:t> 스레딩과 비동기</a:t>
+            </a:r>
+            <a:r>
+              <a:rPr lang="en-US" altLang="ko-KR" dirty="0"/>
+              <a:t> IO</a:t>
+            </a:r>
+            <a:r>
+              <a:rPr lang="ko-KR" altLang="en-US" dirty="0"/>
+              <a:t>는 다른개념이기에 </a:t>
+            </a:r>
+            <a:r>
+              <a:rPr lang="ko-KR" altLang="en-US" dirty="0">
+                <a:hlinkClick r:id="rId2"/>
+              </a:rPr>
+              <a:t>이 아티클</a:t>
+            </a:r>
+            <a:r>
+              <a:rPr lang="ko-KR" altLang="en-US" dirty="0"/>
+              <a:t>을 한번쯤 읽어보셈</a:t>
+            </a:r>
+            <a:endParaRPr lang="en-US" altLang="ko-KR" dirty="0"/>
+          </a:p>
+          <a:p>
+            <a:pPr lvl="1"/>
+            <a:r>
+              <a:rPr lang="ko-KR" altLang="en-US" dirty="0"/>
+              <a:t>스레드가 작업을 기다리느냐</a:t>
+            </a:r>
+            <a:r>
+              <a:rPr lang="en-US" altLang="ko-KR" dirty="0"/>
+              <a:t>,</a:t>
+            </a:r>
+            <a:r>
+              <a:rPr lang="ko-KR" altLang="en-US" dirty="0"/>
+              <a:t> 작업용 스레드를 태우느냐의 차이</a:t>
+            </a:r>
+            <a:endParaRPr lang="en-US" altLang="ko-KR" dirty="0"/>
+          </a:p>
+        </p:txBody>
+      </p:sp>
+    </p:spTree>
+    <p:extLst>
+      <p:ext uri="{BB962C8B-B14F-4D97-AF65-F5344CB8AC3E}">
+        <p14:creationId xmlns:p14="http://schemas.microsoft.com/office/powerpoint/2010/main" val="2344086464"/>
+      </p:ext>
+    </p:extLst>
+  </p:cSld>
+  <p:clrMapOvr>
+    <a:masterClrMapping/>
+  </p:clrMapOvr>
+</p:sld>
+</file>
+
+<file path=ppt/slides/slide14.xml><?xml version="1.0" encoding="utf-8"?>
+<p:sld xmlns:a="http://schemas.openxmlformats.org/drawingml/2006/main" xmlns:r="http://schemas.openxmlformats.org/officeDocument/2006/relationships" xmlns:p="http://schemas.openxmlformats.org/presentationml/2006/main">
+  <p:cSld>
+    <p:spTree>
+      <p:nvGrpSpPr>
+        <p:cNvPr id="1" name=""/>
+        <p:cNvGrpSpPr/>
+        <p:nvPr/>
+      </p:nvGrpSpPr>
+      <p:grpSpPr>
+        <a:xfrm>
+          <a:off x="0" y="0"/>
+          <a:ext cx="0" cy="0"/>
+          <a:chOff x="0" y="0"/>
+          <a:chExt cx="0" cy="0"/>
+        </a:xfrm>
+      </p:grpSpPr>
+      <p:sp>
+        <p:nvSpPr>
+          <p:cNvPr id="2" name="제목 1">
+            <a:extLst>
+              <a:ext uri="{FF2B5EF4-FFF2-40B4-BE49-F238E27FC236}">
+                <a16:creationId xmlns:a16="http://schemas.microsoft.com/office/drawing/2014/main" id="{8EAD3E2C-69EF-4650-AC60-F83369E1EF60}"/>
+              </a:ext>
+            </a:extLst>
+          </p:cNvPr>
+          <p:cNvSpPr>
+            <a:spLocks noGrp="1"/>
+          </p:cNvSpPr>
+          <p:nvPr>
+            <p:ph type="title"/>
+          </p:nvPr>
+        </p:nvSpPr>
+        <p:spPr/>
+        <p:txBody>
+          <a:bodyPr>
+            <a:normAutofit/>
+          </a:bodyPr>
+          <a:lstStyle/>
+          <a:p>
+            <a:r>
+              <a:rPr lang="en-US" altLang="ko-KR" sz="3000" dirty="0"/>
+              <a:t>2-2-1-7</a:t>
+            </a:r>
+            <a:r>
+              <a:rPr lang="ko-KR" altLang="en-US" sz="3000" dirty="0"/>
+              <a:t> </a:t>
+            </a:r>
+            <a:r>
+              <a:rPr lang="en-US" altLang="ko-KR" sz="3000" dirty="0" err="1"/>
+              <a:t>int</a:t>
+            </a:r>
+            <a:r>
+              <a:rPr lang="ko-KR" altLang="en-US" sz="3000" dirty="0"/>
+              <a:t> </a:t>
+            </a:r>
+            <a:r>
+              <a:rPr lang="en-US" altLang="ko-KR" sz="3000" dirty="0" err="1"/>
+              <a:t>recv</a:t>
+            </a:r>
+            <a:r>
+              <a:rPr lang="en-US" altLang="ko-KR" sz="3000" dirty="0"/>
+              <a:t>(SOCKET s, char FAR* </a:t>
+            </a:r>
+            <a:r>
+              <a:rPr lang="en-US" altLang="ko-KR" sz="3000" dirty="0" err="1"/>
+              <a:t>buf</a:t>
+            </a:r>
+            <a:r>
+              <a:rPr lang="en-US" altLang="ko-KR" sz="3000" dirty="0"/>
+              <a:t>, </a:t>
+            </a:r>
+            <a:r>
+              <a:rPr lang="en-US" altLang="ko-KR" sz="3000" dirty="0" err="1"/>
+              <a:t>int</a:t>
+            </a:r>
+            <a:r>
+              <a:rPr lang="en-US" altLang="ko-KR" sz="3000" dirty="0"/>
+              <a:t> </a:t>
+            </a:r>
+            <a:r>
+              <a:rPr lang="en-US" altLang="ko-KR" sz="3000" dirty="0" err="1"/>
+              <a:t>len</a:t>
+            </a:r>
+            <a:r>
+              <a:rPr lang="en-US" altLang="ko-KR" sz="3000" dirty="0"/>
+              <a:t>, </a:t>
+            </a:r>
+            <a:r>
+              <a:rPr lang="en-US" altLang="ko-KR" sz="3000" dirty="0" err="1"/>
+              <a:t>int</a:t>
+            </a:r>
+            <a:r>
+              <a:rPr lang="en-US" altLang="ko-KR" sz="3000" dirty="0"/>
+              <a:t> flag)</a:t>
+            </a:r>
+            <a:endParaRPr lang="ko-KR" altLang="en-US" sz="3000" dirty="0"/>
+          </a:p>
+        </p:txBody>
+      </p:sp>
+      <p:sp>
+        <p:nvSpPr>
+          <p:cNvPr id="3" name="내용 개체 틀 2">
+            <a:extLst>
+              <a:ext uri="{FF2B5EF4-FFF2-40B4-BE49-F238E27FC236}">
+                <a16:creationId xmlns:a16="http://schemas.microsoft.com/office/drawing/2014/main" id="{6B9A8DAC-9900-4746-986E-2E7818F8FDF9}"/>
+              </a:ext>
+            </a:extLst>
+          </p:cNvPr>
+          <p:cNvSpPr>
+            <a:spLocks noGrp="1"/>
+          </p:cNvSpPr>
+          <p:nvPr>
+            <p:ph idx="1"/>
+          </p:nvPr>
+        </p:nvSpPr>
+        <p:spPr/>
+        <p:txBody>
+          <a:bodyPr/>
+          <a:lstStyle/>
+          <a:p>
+            <a:pPr lvl="1"/>
+            <a:endParaRPr lang="en-US" altLang="ko-KR" dirty="0"/>
+          </a:p>
+          <a:p>
+            <a:r>
+              <a:rPr lang="ko-KR" altLang="en-US" dirty="0"/>
+              <a:t>접속되어있는 서버나 클라로부터 데이터 받는함수</a:t>
+            </a:r>
+            <a:endParaRPr lang="en-US" altLang="ko-KR" dirty="0"/>
+          </a:p>
+          <a:p>
+            <a:pPr lvl="1"/>
+            <a:r>
+              <a:rPr lang="ko-KR" altLang="en-US" dirty="0"/>
+              <a:t>데이터 크기 리턴</a:t>
+            </a:r>
+            <a:endParaRPr lang="en-US" altLang="ko-KR" dirty="0"/>
+          </a:p>
+          <a:p>
+            <a:pPr lvl="2"/>
+            <a:r>
+              <a:rPr lang="en-US" altLang="ko-KR" dirty="0"/>
+              <a:t>0</a:t>
+            </a:r>
+            <a:r>
+              <a:rPr lang="ko-KR" altLang="en-US" dirty="0"/>
+              <a:t>은 끊김</a:t>
+            </a:r>
+            <a:endParaRPr lang="en-US" altLang="ko-KR" dirty="0"/>
+          </a:p>
+          <a:p>
+            <a:pPr lvl="2"/>
+            <a:r>
+              <a:rPr lang="en-US" altLang="ko-KR" dirty="0"/>
+              <a:t>-1</a:t>
+            </a:r>
+            <a:r>
+              <a:rPr lang="ko-KR" altLang="en-US" dirty="0"/>
+              <a:t>은 에러</a:t>
+            </a:r>
+            <a:endParaRPr lang="en-US" altLang="ko-KR" dirty="0"/>
+          </a:p>
+          <a:p>
+            <a:pPr lvl="1"/>
+            <a:r>
+              <a:rPr lang="ko-KR" altLang="en-US" dirty="0"/>
+              <a:t>넌블러킹모드에서는 </a:t>
+            </a:r>
+            <a:r>
+              <a:rPr lang="en-US" altLang="ko-KR" dirty="0" err="1"/>
+              <a:t>WSAGetLastError</a:t>
+            </a:r>
+            <a:r>
+              <a:rPr lang="en-US" altLang="ko-KR" dirty="0"/>
+              <a:t>()</a:t>
+            </a:r>
+            <a:r>
+              <a:rPr lang="ko-KR" altLang="en-US" dirty="0"/>
+              <a:t>함수 호출해서 </a:t>
+            </a:r>
+            <a:r>
+              <a:rPr lang="en-US" altLang="ko-KR" dirty="0"/>
+              <a:t>WSAWOULDBLOCK</a:t>
+            </a:r>
+            <a:r>
+              <a:rPr lang="ko-KR" altLang="en-US" dirty="0"/>
+              <a:t>인지 확인해야함</a:t>
+            </a:r>
+            <a:r>
+              <a:rPr lang="en-US" altLang="ko-KR" dirty="0"/>
+              <a:t>,</a:t>
+            </a:r>
+            <a:r>
+              <a:rPr lang="ko-KR" altLang="en-US" dirty="0"/>
+              <a:t> 데이터 아직 다 안들어왔다는거</a:t>
+            </a:r>
+            <a:endParaRPr lang="en-US" altLang="ko-KR" dirty="0"/>
+          </a:p>
+          <a:p>
+            <a:pPr lvl="1"/>
+            <a:r>
+              <a:rPr lang="ko-KR" altLang="en-US" dirty="0"/>
+              <a:t>두번째 인자는 데이터 채울 버퍼 포인터</a:t>
+            </a:r>
+            <a:endParaRPr lang="en-US" altLang="ko-KR" dirty="0"/>
+          </a:p>
+          <a:p>
+            <a:pPr lvl="1"/>
+            <a:r>
+              <a:rPr lang="ko-KR" altLang="en-US" dirty="0"/>
+              <a:t>세번째 인자는 버퍼의 크기</a:t>
+            </a:r>
+            <a:endParaRPr lang="en-US" altLang="ko-KR" dirty="0"/>
+          </a:p>
+          <a:p>
+            <a:pPr lvl="1"/>
+            <a:r>
+              <a:rPr lang="ko-KR" altLang="en-US" dirty="0"/>
+              <a:t>네번째 인자는 옵션</a:t>
+            </a:r>
+            <a:endParaRPr lang="en-US" altLang="ko-KR" dirty="0"/>
+          </a:p>
+        </p:txBody>
+      </p:sp>
+    </p:spTree>
+    <p:extLst>
+      <p:ext uri="{BB962C8B-B14F-4D97-AF65-F5344CB8AC3E}">
+        <p14:creationId xmlns:p14="http://schemas.microsoft.com/office/powerpoint/2010/main" val="746015165"/>
+      </p:ext>
+    </p:extLst>
+  </p:cSld>
+  <p:clrMapOvr>
+    <a:masterClrMapping/>
+  </p:clrMapOvr>
+</p:sld>
+</file>
+
+<file path=ppt/slides/slide15.xml><?xml version="1.0" encoding="utf-8"?>
+<p:sld xmlns:a="http://schemas.openxmlformats.org/drawingml/2006/main" xmlns:r="http://schemas.openxmlformats.org/officeDocument/2006/relationships" xmlns:p="http://schemas.openxmlformats.org/presentationml/2006/main">
+  <p:cSld>
+    <p:spTree>
+      <p:nvGrpSpPr>
+        <p:cNvPr id="1" name=""/>
+        <p:cNvGrpSpPr/>
+        <p:nvPr/>
+      </p:nvGrpSpPr>
+      <p:grpSpPr>
+        <a:xfrm>
+          <a:off x="0" y="0"/>
+          <a:ext cx="0" cy="0"/>
+          <a:chOff x="0" y="0"/>
+          <a:chExt cx="0" cy="0"/>
+        </a:xfrm>
+      </p:grpSpPr>
+      <p:sp>
+        <p:nvSpPr>
+          <p:cNvPr id="2" name="제목 1">
+            <a:extLst>
+              <a:ext uri="{FF2B5EF4-FFF2-40B4-BE49-F238E27FC236}">
+                <a16:creationId xmlns:a16="http://schemas.microsoft.com/office/drawing/2014/main" id="{8EAD3E2C-69EF-4650-AC60-F83369E1EF60}"/>
+              </a:ext>
+            </a:extLst>
+          </p:cNvPr>
+          <p:cNvSpPr>
+            <a:spLocks noGrp="1"/>
+          </p:cNvSpPr>
+          <p:nvPr>
+            <p:ph type="title"/>
+          </p:nvPr>
+        </p:nvSpPr>
+        <p:spPr/>
+        <p:txBody>
+          <a:bodyPr>
+            <a:normAutofit/>
+          </a:bodyPr>
+          <a:lstStyle/>
+          <a:p>
+            <a:r>
+              <a:rPr lang="en-US" altLang="ko-KR" sz="3000" dirty="0"/>
+              <a:t>2-2-1-8</a:t>
+            </a:r>
+            <a:r>
+              <a:rPr lang="ko-KR" altLang="en-US" sz="3000" dirty="0"/>
+              <a:t> </a:t>
+            </a:r>
+            <a:r>
+              <a:rPr lang="en-US" altLang="ko-KR" sz="3000" dirty="0" err="1"/>
+              <a:t>int</a:t>
+            </a:r>
+            <a:r>
+              <a:rPr lang="ko-KR" altLang="en-US" sz="3000" dirty="0"/>
+              <a:t> </a:t>
+            </a:r>
+            <a:r>
+              <a:rPr lang="en-US" altLang="ko-KR" sz="3000" dirty="0"/>
+              <a:t>send(SOCKET s, char FAR* </a:t>
+            </a:r>
+            <a:r>
+              <a:rPr lang="en-US" altLang="ko-KR" sz="3000" dirty="0" err="1"/>
+              <a:t>buf</a:t>
+            </a:r>
+            <a:r>
+              <a:rPr lang="en-US" altLang="ko-KR" sz="3000" dirty="0"/>
+              <a:t>, </a:t>
+            </a:r>
+            <a:r>
+              <a:rPr lang="en-US" altLang="ko-KR" sz="3000" dirty="0" err="1"/>
+              <a:t>int</a:t>
+            </a:r>
+            <a:r>
+              <a:rPr lang="en-US" altLang="ko-KR" sz="3000" dirty="0"/>
+              <a:t> </a:t>
+            </a:r>
+            <a:r>
+              <a:rPr lang="en-US" altLang="ko-KR" sz="3000" dirty="0" err="1"/>
+              <a:t>len</a:t>
+            </a:r>
+            <a:r>
+              <a:rPr lang="en-US" altLang="ko-KR" sz="3000" dirty="0"/>
+              <a:t>, </a:t>
+            </a:r>
+            <a:r>
+              <a:rPr lang="en-US" altLang="ko-KR" sz="3000" dirty="0" err="1"/>
+              <a:t>int</a:t>
+            </a:r>
+            <a:r>
+              <a:rPr lang="en-US" altLang="ko-KR" sz="3000" dirty="0"/>
+              <a:t> flag)</a:t>
+            </a:r>
+            <a:endParaRPr lang="ko-KR" altLang="en-US" sz="3000" dirty="0"/>
+          </a:p>
+        </p:txBody>
+      </p:sp>
+      <p:sp>
+        <p:nvSpPr>
+          <p:cNvPr id="3" name="내용 개체 틀 2">
+            <a:extLst>
+              <a:ext uri="{FF2B5EF4-FFF2-40B4-BE49-F238E27FC236}">
+                <a16:creationId xmlns:a16="http://schemas.microsoft.com/office/drawing/2014/main" id="{6B9A8DAC-9900-4746-986E-2E7818F8FDF9}"/>
+              </a:ext>
+            </a:extLst>
+          </p:cNvPr>
+          <p:cNvSpPr>
+            <a:spLocks noGrp="1"/>
+          </p:cNvSpPr>
+          <p:nvPr>
+            <p:ph idx="1"/>
+          </p:nvPr>
+        </p:nvSpPr>
+        <p:spPr/>
+        <p:txBody>
+          <a:bodyPr/>
+          <a:lstStyle/>
+          <a:p>
+            <a:r>
+              <a:rPr lang="en-US" altLang="ko-KR" dirty="0" err="1"/>
+              <a:t>Recv</a:t>
+            </a:r>
+            <a:r>
+              <a:rPr lang="ko-KR" altLang="en-US" dirty="0"/>
+              <a:t>와 반대의 기능</a:t>
+            </a:r>
+            <a:endParaRPr lang="en-US" altLang="ko-KR" dirty="0"/>
+          </a:p>
+          <a:p>
+            <a:pPr lvl="1"/>
+            <a:r>
+              <a:rPr lang="ko-KR" altLang="en-US" dirty="0"/>
+              <a:t>나머지는 </a:t>
+            </a:r>
+            <a:r>
+              <a:rPr lang="en-US" altLang="ko-KR" dirty="0"/>
+              <a:t>Send</a:t>
+            </a:r>
+            <a:r>
+              <a:rPr lang="ko-KR" altLang="en-US" dirty="0"/>
+              <a:t>랑 같음 </a:t>
+            </a:r>
+            <a:r>
+              <a:rPr lang="en-US" altLang="ko-KR" dirty="0"/>
+              <a:t>WSA</a:t>
+            </a:r>
+            <a:r>
+              <a:rPr lang="ko-KR" altLang="en-US" dirty="0"/>
+              <a:t>는 데이터를 못보낼때</a:t>
+            </a:r>
+            <a:r>
+              <a:rPr lang="en-US" altLang="ko-KR" dirty="0"/>
+              <a:t>(send</a:t>
+            </a:r>
+            <a:r>
+              <a:rPr lang="ko-KR" altLang="en-US" dirty="0"/>
+              <a:t>버퍼가 차서</a:t>
+            </a:r>
+            <a:r>
+              <a:rPr lang="en-US" altLang="ko-KR" dirty="0"/>
+              <a:t>)</a:t>
+            </a:r>
+          </a:p>
+        </p:txBody>
+      </p:sp>
+    </p:spTree>
+    <p:extLst>
+      <p:ext uri="{BB962C8B-B14F-4D97-AF65-F5344CB8AC3E}">
+        <p14:creationId xmlns:p14="http://schemas.microsoft.com/office/powerpoint/2010/main" val="3374619096"/>
+      </p:ext>
+    </p:extLst>
+  </p:cSld>
+  <p:clrMapOvr>
+    <a:masterClrMapping/>
+  </p:clrMapOvr>
+</p:sld>
+</file>
+
+<file path=ppt/slides/slide16.xml><?xml version="1.0" encoding="utf-8"?>
+<p:sld xmlns:a="http://schemas.openxmlformats.org/drawingml/2006/main" xmlns:r="http://schemas.openxmlformats.org/officeDocument/2006/relationships" xmlns:p="http://schemas.openxmlformats.org/presentationml/2006/main">
+  <p:cSld>
+    <p:spTree>
+      <p:nvGrpSpPr>
+        <p:cNvPr id="1" name=""/>
+        <p:cNvGrpSpPr/>
+        <p:nvPr/>
+      </p:nvGrpSpPr>
+      <p:grpSpPr>
+        <a:xfrm>
+          <a:off x="0" y="0"/>
+          <a:ext cx="0" cy="0"/>
+          <a:chOff x="0" y="0"/>
+          <a:chExt cx="0" cy="0"/>
+        </a:xfrm>
+      </p:grpSpPr>
+      <p:sp>
+        <p:nvSpPr>
+          <p:cNvPr id="2" name="제목 1">
+            <a:extLst>
+              <a:ext uri="{FF2B5EF4-FFF2-40B4-BE49-F238E27FC236}">
+                <a16:creationId xmlns:a16="http://schemas.microsoft.com/office/drawing/2014/main" id="{8EAD3E2C-69EF-4650-AC60-F83369E1EF60}"/>
+              </a:ext>
+            </a:extLst>
+          </p:cNvPr>
+          <p:cNvSpPr>
+            <a:spLocks noGrp="1"/>
+          </p:cNvSpPr>
+          <p:nvPr>
+            <p:ph type="title"/>
+          </p:nvPr>
+        </p:nvSpPr>
+        <p:spPr/>
+        <p:txBody>
+          <a:bodyPr>
+            <a:normAutofit/>
+          </a:bodyPr>
+          <a:lstStyle/>
+          <a:p>
+            <a:r>
+              <a:rPr lang="en-US" altLang="ko-KR" sz="3000" dirty="0"/>
+              <a:t>2-2-1-9,10</a:t>
+            </a:r>
+            <a:r>
+              <a:rPr lang="ko-KR" altLang="en-US" sz="3000" dirty="0"/>
+              <a:t> </a:t>
+            </a:r>
+            <a:r>
+              <a:rPr lang="en-US" altLang="ko-KR" sz="3000" dirty="0"/>
+              <a:t>shutdown, </a:t>
+            </a:r>
+            <a:r>
+              <a:rPr lang="en-US" altLang="ko-KR" sz="3000" dirty="0" err="1"/>
+              <a:t>closesocket</a:t>
+            </a:r>
+            <a:endParaRPr lang="ko-KR" altLang="en-US" sz="3000" dirty="0"/>
+          </a:p>
+        </p:txBody>
+      </p:sp>
+      <p:sp>
+        <p:nvSpPr>
+          <p:cNvPr id="3" name="내용 개체 틀 2">
+            <a:extLst>
+              <a:ext uri="{FF2B5EF4-FFF2-40B4-BE49-F238E27FC236}">
+                <a16:creationId xmlns:a16="http://schemas.microsoft.com/office/drawing/2014/main" id="{6B9A8DAC-9900-4746-986E-2E7818F8FDF9}"/>
+              </a:ext>
+            </a:extLst>
+          </p:cNvPr>
+          <p:cNvSpPr>
+            <a:spLocks noGrp="1"/>
+          </p:cNvSpPr>
+          <p:nvPr>
+            <p:ph idx="1"/>
+          </p:nvPr>
+        </p:nvSpPr>
+        <p:spPr/>
+        <p:txBody>
+          <a:bodyPr/>
+          <a:lstStyle/>
+          <a:p>
+            <a:r>
+              <a:rPr lang="ko-KR" altLang="en-US" dirty="0"/>
+              <a:t>데이터 송수신을 종료 하고</a:t>
+            </a:r>
+            <a:endParaRPr lang="en-US" altLang="ko-KR" dirty="0"/>
+          </a:p>
+          <a:p>
+            <a:r>
+              <a:rPr lang="ko-KR" altLang="en-US" dirty="0"/>
+              <a:t>소켓을 닫는다</a:t>
+            </a:r>
+            <a:r>
+              <a:rPr lang="en-US" altLang="ko-KR" dirty="0"/>
+              <a:t>.</a:t>
+            </a:r>
+          </a:p>
+          <a:p>
+            <a:r>
+              <a:rPr lang="ko-KR" altLang="en-US" dirty="0"/>
+              <a:t>자세한내용은 책에</a:t>
+            </a:r>
+            <a:endParaRPr lang="en-US" altLang="ko-KR" dirty="0"/>
+          </a:p>
+          <a:p>
+            <a:r>
+              <a:rPr lang="ko-KR" altLang="en-US" dirty="0"/>
+              <a:t>어차피 프로그램끌꺼잖아</a:t>
+            </a:r>
+            <a:r>
+              <a:rPr lang="en-US" altLang="ko-KR" dirty="0"/>
+              <a:t>?</a:t>
+            </a:r>
+          </a:p>
+          <a:p>
+            <a:endParaRPr lang="en-US" altLang="ko-KR" dirty="0"/>
+          </a:p>
+        </p:txBody>
+      </p:sp>
+    </p:spTree>
+    <p:extLst>
+      <p:ext uri="{BB962C8B-B14F-4D97-AF65-F5344CB8AC3E}">
+        <p14:creationId xmlns:p14="http://schemas.microsoft.com/office/powerpoint/2010/main" val="1041526851"/>
+      </p:ext>
+    </p:extLst>
+  </p:cSld>
+  <p:clrMapOvr>
+    <a:masterClrMapping/>
+  </p:clrMapOvr>
+</p:sld>
+</file>
+
+<file path=ppt/slides/slide17.xml><?xml version="1.0" encoding="utf-8"?>
+<p:sld xmlns:a="http://schemas.openxmlformats.org/drawingml/2006/main" xmlns:r="http://schemas.openxmlformats.org/officeDocument/2006/relationships" xmlns:p="http://schemas.openxmlformats.org/presentationml/2006/main">
+  <p:cSld>
+    <p:spTree>
+      <p:nvGrpSpPr>
+        <p:cNvPr id="1" name=""/>
+        <p:cNvGrpSpPr/>
+        <p:nvPr/>
+      </p:nvGrpSpPr>
+      <p:grpSpPr>
+        <a:xfrm>
+          <a:off x="0" y="0"/>
+          <a:ext cx="0" cy="0"/>
+          <a:chOff x="0" y="0"/>
+          <a:chExt cx="0" cy="0"/>
+        </a:xfrm>
+      </p:grpSpPr>
+      <p:sp>
+        <p:nvSpPr>
+          <p:cNvPr id="2" name="제목 1">
+            <a:extLst>
+              <a:ext uri="{FF2B5EF4-FFF2-40B4-BE49-F238E27FC236}">
+                <a16:creationId xmlns:a16="http://schemas.microsoft.com/office/drawing/2014/main" id="{8EAD3E2C-69EF-4650-AC60-F83369E1EF60}"/>
+              </a:ext>
+            </a:extLst>
+          </p:cNvPr>
+          <p:cNvSpPr>
+            <a:spLocks noGrp="1"/>
+          </p:cNvSpPr>
+          <p:nvPr>
+            <p:ph type="title"/>
+          </p:nvPr>
+        </p:nvSpPr>
+        <p:spPr/>
+        <p:txBody>
+          <a:bodyPr>
+            <a:normAutofit/>
+          </a:bodyPr>
+          <a:lstStyle/>
+          <a:p>
+            <a:r>
+              <a:rPr lang="en-US" altLang="ko-KR" sz="3000" dirty="0"/>
+              <a:t>2-2-1-9,10</a:t>
+            </a:r>
+            <a:r>
+              <a:rPr lang="ko-KR" altLang="en-US" sz="3000" dirty="0"/>
+              <a:t> </a:t>
+            </a:r>
+            <a:r>
+              <a:rPr lang="en-US" altLang="ko-KR" sz="3000" dirty="0"/>
+              <a:t>shutdown, </a:t>
+            </a:r>
+            <a:r>
+              <a:rPr lang="en-US" altLang="ko-KR" sz="3000" dirty="0" err="1"/>
+              <a:t>closesocket</a:t>
+            </a:r>
+            <a:endParaRPr lang="ko-KR" altLang="en-US" sz="3000" dirty="0"/>
+          </a:p>
+        </p:txBody>
+      </p:sp>
+      <p:sp>
+        <p:nvSpPr>
+          <p:cNvPr id="3" name="내용 개체 틀 2">
+            <a:extLst>
+              <a:ext uri="{FF2B5EF4-FFF2-40B4-BE49-F238E27FC236}">
+                <a16:creationId xmlns:a16="http://schemas.microsoft.com/office/drawing/2014/main" id="{6B9A8DAC-9900-4746-986E-2E7818F8FDF9}"/>
+              </a:ext>
+            </a:extLst>
+          </p:cNvPr>
+          <p:cNvSpPr>
+            <a:spLocks noGrp="1"/>
+          </p:cNvSpPr>
+          <p:nvPr>
+            <p:ph idx="1"/>
+          </p:nvPr>
+        </p:nvSpPr>
+        <p:spPr/>
+        <p:txBody>
+          <a:bodyPr/>
+          <a:lstStyle/>
+          <a:p>
+            <a:r>
+              <a:rPr lang="ko-KR" altLang="en-US" dirty="0"/>
+              <a:t>데이터 송수신을 종료 하고</a:t>
+            </a:r>
+            <a:endParaRPr lang="en-US" altLang="ko-KR" dirty="0"/>
+          </a:p>
+          <a:p>
+            <a:r>
+              <a:rPr lang="ko-KR" altLang="en-US" dirty="0"/>
+              <a:t>소켓을 닫는다</a:t>
+            </a:r>
+            <a:r>
+              <a:rPr lang="en-US" altLang="ko-KR" dirty="0"/>
+              <a:t>.</a:t>
+            </a:r>
+          </a:p>
+          <a:p>
+            <a:r>
+              <a:rPr lang="ko-KR" altLang="en-US" dirty="0"/>
+              <a:t>자세한내용은 책에</a:t>
+            </a:r>
+            <a:endParaRPr lang="en-US" altLang="ko-KR" dirty="0"/>
+          </a:p>
+          <a:p>
+            <a:r>
+              <a:rPr lang="ko-KR" altLang="en-US" dirty="0"/>
+              <a:t>어차피 프로그램끌꺼잖아</a:t>
+            </a:r>
+            <a:r>
+              <a:rPr lang="en-US" altLang="ko-KR" dirty="0"/>
+              <a:t>?</a:t>
+            </a:r>
+          </a:p>
+          <a:p>
+            <a:endParaRPr lang="en-US" altLang="ko-KR" dirty="0"/>
+          </a:p>
+        </p:txBody>
+      </p:sp>
+    </p:spTree>
+    <p:extLst>
+      <p:ext uri="{BB962C8B-B14F-4D97-AF65-F5344CB8AC3E}">
+        <p14:creationId xmlns:p14="http://schemas.microsoft.com/office/powerpoint/2010/main" val="1747096508"/>
+      </p:ext>
+    </p:extLst>
+  </p:cSld>
+  <p:clrMapOvr>
+    <a:masterClrMapping/>
+  </p:clrMapOvr>
+</p:sld>
+</file>
+
+<file path=ppt/slides/slide18.xml><?xml version="1.0" encoding="utf-8"?>
+<p:sld xmlns:a="http://schemas.openxmlformats.org/drawingml/2006/main" xmlns:r="http://schemas.openxmlformats.org/officeDocument/2006/relationships" xmlns:p="http://schemas.openxmlformats.org/presentationml/2006/main">
+  <p:cSld>
+    <p:spTree>
+      <p:nvGrpSpPr>
+        <p:cNvPr id="1" name=""/>
+        <p:cNvGrpSpPr/>
+        <p:nvPr/>
+      </p:nvGrpSpPr>
+      <p:grpSpPr>
+        <a:xfrm>
+          <a:off x="0" y="0"/>
+          <a:ext cx="0" cy="0"/>
+          <a:chOff x="0" y="0"/>
+          <a:chExt cx="0" cy="0"/>
+        </a:xfrm>
+      </p:grpSpPr>
+      <p:sp>
+        <p:nvSpPr>
+          <p:cNvPr id="2" name="제목 1">
+            <a:extLst>
+              <a:ext uri="{FF2B5EF4-FFF2-40B4-BE49-F238E27FC236}">
+                <a16:creationId xmlns:a16="http://schemas.microsoft.com/office/drawing/2014/main" id="{8EAD3E2C-69EF-4650-AC60-F83369E1EF60}"/>
+              </a:ext>
+            </a:extLst>
+          </p:cNvPr>
+          <p:cNvSpPr>
+            <a:spLocks noGrp="1"/>
+          </p:cNvSpPr>
+          <p:nvPr>
+            <p:ph type="title"/>
+          </p:nvPr>
+        </p:nvSpPr>
+        <p:spPr/>
+        <p:txBody>
+          <a:bodyPr>
+            <a:normAutofit/>
+          </a:bodyPr>
+          <a:lstStyle/>
+          <a:p>
+            <a:r>
+              <a:rPr lang="en-US" altLang="ko-KR" sz="3000" dirty="0"/>
+              <a:t>2.2.2</a:t>
+            </a:r>
+            <a:endParaRPr lang="ko-KR" altLang="en-US" sz="3000" dirty="0"/>
+          </a:p>
+        </p:txBody>
+      </p:sp>
+      <p:sp>
+        <p:nvSpPr>
+          <p:cNvPr id="3" name="내용 개체 틀 2">
+            <a:extLst>
+              <a:ext uri="{FF2B5EF4-FFF2-40B4-BE49-F238E27FC236}">
+                <a16:creationId xmlns:a16="http://schemas.microsoft.com/office/drawing/2014/main" id="{6B9A8DAC-9900-4746-986E-2E7818F8FDF9}"/>
+              </a:ext>
+            </a:extLst>
+          </p:cNvPr>
+          <p:cNvSpPr>
+            <a:spLocks noGrp="1"/>
+          </p:cNvSpPr>
+          <p:nvPr>
+            <p:ph idx="1"/>
+          </p:nvPr>
+        </p:nvSpPr>
+        <p:spPr/>
+        <p:txBody>
+          <a:bodyPr/>
+          <a:lstStyle/>
+          <a:p>
+            <a:r>
+              <a:rPr lang="ko-KR" altLang="en-US" dirty="0"/>
+              <a:t>비연결지향형 통신</a:t>
+            </a:r>
+            <a:endParaRPr lang="en-US" altLang="ko-KR" dirty="0"/>
+          </a:p>
+          <a:p>
+            <a:pPr lvl="1"/>
+            <a:r>
+              <a:rPr lang="ko-KR" altLang="en-US" dirty="0"/>
+              <a:t>서버</a:t>
+            </a:r>
+            <a:r>
+              <a:rPr lang="en-US" altLang="ko-KR" dirty="0"/>
+              <a:t>/</a:t>
+            </a:r>
+            <a:r>
+              <a:rPr lang="ko-KR" altLang="en-US" dirty="0"/>
+              <a:t>클라 구조는 데이터 송수신을 하려면 클라서버 연결필요함</a:t>
+            </a:r>
+            <a:endParaRPr lang="en-US" altLang="ko-KR" dirty="0"/>
+          </a:p>
+          <a:p>
+            <a:pPr lvl="1"/>
+            <a:r>
+              <a:rPr lang="ko-KR" altLang="en-US" dirty="0"/>
+              <a:t>비연결지향형 연결안하고 데이터 송수신가능</a:t>
+            </a:r>
+            <a:endParaRPr lang="en-US" altLang="ko-KR" dirty="0"/>
+          </a:p>
+          <a:p>
+            <a:pPr lvl="1"/>
+            <a:r>
+              <a:rPr lang="en-US" altLang="ko-KR" dirty="0"/>
+              <a:t>P2P</a:t>
+            </a:r>
+            <a:r>
+              <a:rPr lang="ko-KR" altLang="en-US" dirty="0"/>
+              <a:t>에서 많이 사용</a:t>
+            </a:r>
+            <a:endParaRPr lang="en-US" altLang="ko-KR" dirty="0"/>
+          </a:p>
+          <a:p>
+            <a:pPr lvl="1"/>
+            <a:r>
+              <a:rPr lang="ko-KR" altLang="en-US" dirty="0"/>
+              <a:t>책에서는 온라인 게임서버에서는 거의 안쓰인다고 했는데 </a:t>
+            </a:r>
+            <a:r>
+              <a:rPr lang="en-US" altLang="ko-KR" dirty="0"/>
+              <a:t>FPS</a:t>
+            </a:r>
+            <a:r>
+              <a:rPr lang="ko-KR" altLang="en-US" dirty="0"/>
+              <a:t>라던지 요즘 주류장르에서는 존나게씀</a:t>
+            </a:r>
+            <a:endParaRPr lang="en-US" altLang="ko-KR" dirty="0"/>
+          </a:p>
+          <a:p>
+            <a:pPr lvl="1"/>
+            <a:r>
+              <a:rPr lang="ko-KR" altLang="en-US" dirty="0"/>
+              <a:t>요즘 </a:t>
+            </a:r>
+            <a:r>
+              <a:rPr lang="en-US" altLang="ko-KR" dirty="0"/>
+              <a:t>P2P</a:t>
+            </a:r>
+            <a:r>
+              <a:rPr lang="ko-KR" altLang="en-US" dirty="0"/>
+              <a:t>서버는 </a:t>
+            </a:r>
+            <a:r>
+              <a:rPr lang="ko-KR" altLang="en-US" dirty="0">
+                <a:hlinkClick r:id="rId2"/>
+              </a:rPr>
+              <a:t>홀펀칭</a:t>
+            </a:r>
+            <a:r>
+              <a:rPr lang="ko-KR" altLang="en-US" dirty="0"/>
+              <a:t>으로 </a:t>
+            </a:r>
+            <a:r>
+              <a:rPr lang="en-US" altLang="ko-KR" dirty="0"/>
+              <a:t>P2P</a:t>
+            </a:r>
+            <a:r>
+              <a:rPr lang="ko-KR" altLang="en-US" dirty="0"/>
+              <a:t>시도하고 안되면 릴레이서버로 서버</a:t>
+            </a:r>
+            <a:r>
+              <a:rPr lang="en-US" altLang="ko-KR" dirty="0"/>
+              <a:t>/</a:t>
+            </a:r>
+            <a:r>
+              <a:rPr lang="ko-KR" altLang="en-US" dirty="0"/>
+              <a:t>클라구조로 변경해서 어떻게든 유저를 연결할려고함</a:t>
+            </a:r>
+            <a:endParaRPr lang="en-US" altLang="ko-KR" dirty="0"/>
+          </a:p>
+        </p:txBody>
+      </p:sp>
+    </p:spTree>
+    <p:extLst>
+      <p:ext uri="{BB962C8B-B14F-4D97-AF65-F5344CB8AC3E}">
+        <p14:creationId xmlns:p14="http://schemas.microsoft.com/office/powerpoint/2010/main" val="607911560"/>
+      </p:ext>
+    </p:extLst>
+  </p:cSld>
+  <p:clrMapOvr>
+    <a:masterClrMapping/>
+  </p:clrMapOvr>
+</p:sld>
+</file>
+
+<file path=ppt/slides/slide19.xml><?xml version="1.0" encoding="utf-8"?>
+<p:sld xmlns:a="http://schemas.openxmlformats.org/drawingml/2006/main" xmlns:r="http://schemas.openxmlformats.org/officeDocument/2006/relationships" xmlns:p="http://schemas.openxmlformats.org/presentationml/2006/main">
+  <p:cSld>
+    <p:spTree>
+      <p:nvGrpSpPr>
+        <p:cNvPr id="1" name=""/>
+        <p:cNvGrpSpPr/>
+        <p:nvPr/>
+      </p:nvGrpSpPr>
+      <p:grpSpPr>
+        <a:xfrm>
+          <a:off x="0" y="0"/>
+          <a:ext cx="0" cy="0"/>
+          <a:chOff x="0" y="0"/>
+          <a:chExt cx="0" cy="0"/>
+        </a:xfrm>
+      </p:grpSpPr>
+      <p:sp>
+        <p:nvSpPr>
+          <p:cNvPr id="2" name="제목 1">
+            <a:extLst>
+              <a:ext uri="{FF2B5EF4-FFF2-40B4-BE49-F238E27FC236}">
+                <a16:creationId xmlns:a16="http://schemas.microsoft.com/office/drawing/2014/main" id="{8EAD3E2C-69EF-4650-AC60-F83369E1EF60}"/>
+              </a:ext>
+            </a:extLst>
+          </p:cNvPr>
+          <p:cNvSpPr>
+            <a:spLocks noGrp="1"/>
+          </p:cNvSpPr>
+          <p:nvPr>
+            <p:ph type="title"/>
+          </p:nvPr>
+        </p:nvSpPr>
+        <p:spPr/>
+        <p:txBody>
+          <a:bodyPr>
+            <a:normAutofit/>
+          </a:bodyPr>
+          <a:lstStyle/>
+          <a:p>
+            <a:r>
+              <a:rPr lang="en-US" altLang="ko-KR" sz="3000" dirty="0"/>
+              <a:t>2-2-2-1</a:t>
+            </a:r>
+            <a:r>
+              <a:rPr lang="ko-KR" altLang="en-US" sz="3000" dirty="0"/>
+              <a:t> </a:t>
+            </a:r>
+            <a:r>
+              <a:rPr lang="en-US" altLang="ko-KR" sz="3000" dirty="0" err="1"/>
+              <a:t>recvfrom</a:t>
+            </a:r>
+            <a:r>
+              <a:rPr lang="en-US" altLang="ko-KR" sz="3000" dirty="0"/>
+              <a:t>,</a:t>
+            </a:r>
+            <a:r>
+              <a:rPr lang="ko-KR" altLang="en-US" sz="3000" dirty="0"/>
+              <a:t> </a:t>
+            </a:r>
+            <a:r>
+              <a:rPr lang="en-US" altLang="ko-KR" sz="3000" dirty="0" err="1"/>
+              <a:t>sendfrom</a:t>
+            </a:r>
+            <a:r>
+              <a:rPr lang="en-US" altLang="ko-KR" sz="3000" dirty="0"/>
+              <a:t>(</a:t>
+            </a:r>
+            <a:r>
+              <a:rPr lang="ko-KR" altLang="en-US" sz="3000" dirty="0"/>
+              <a:t>인자 </a:t>
+            </a:r>
+            <a:r>
+              <a:rPr lang="en-US" altLang="ko-KR" sz="3000" dirty="0" err="1"/>
+              <a:t>recv</a:t>
+            </a:r>
+            <a:r>
+              <a:rPr lang="ko-KR" altLang="en-US" sz="3000" dirty="0"/>
+              <a:t>에서 </a:t>
+            </a:r>
+            <a:r>
+              <a:rPr lang="en-US" altLang="ko-KR" sz="3000" dirty="0"/>
+              <a:t>from</a:t>
+            </a:r>
+            <a:r>
+              <a:rPr lang="ko-KR" altLang="en-US" sz="3000" dirty="0"/>
+              <a:t>관련 두개추가</a:t>
+            </a:r>
+            <a:r>
+              <a:rPr lang="en-US" altLang="ko-KR" sz="3000" dirty="0"/>
+              <a:t>)</a:t>
+            </a:r>
+            <a:endParaRPr lang="ko-KR" altLang="en-US" sz="3000" dirty="0"/>
+          </a:p>
+        </p:txBody>
+      </p:sp>
+      <p:sp>
+        <p:nvSpPr>
+          <p:cNvPr id="3" name="내용 개체 틀 2">
+            <a:extLst>
+              <a:ext uri="{FF2B5EF4-FFF2-40B4-BE49-F238E27FC236}">
+                <a16:creationId xmlns:a16="http://schemas.microsoft.com/office/drawing/2014/main" id="{6B9A8DAC-9900-4746-986E-2E7818F8FDF9}"/>
+              </a:ext>
+            </a:extLst>
+          </p:cNvPr>
+          <p:cNvSpPr>
+            <a:spLocks noGrp="1"/>
+          </p:cNvSpPr>
+          <p:nvPr>
+            <p:ph idx="1"/>
+          </p:nvPr>
+        </p:nvSpPr>
+        <p:spPr/>
+        <p:txBody>
+          <a:bodyPr/>
+          <a:lstStyle/>
+          <a:p>
+            <a:r>
+              <a:rPr lang="ko-KR" altLang="en-US" dirty="0"/>
+              <a:t>데이터 걍 </a:t>
+            </a:r>
+            <a:r>
+              <a:rPr lang="en-US" altLang="ko-KR" dirty="0"/>
+              <a:t>from</a:t>
+            </a:r>
+            <a:r>
+              <a:rPr lang="ko-KR" altLang="en-US" dirty="0"/>
+              <a:t>에서 가져옴</a:t>
+            </a:r>
+            <a:endParaRPr lang="en-US" altLang="ko-KR" dirty="0"/>
+          </a:p>
+          <a:p>
+            <a:r>
+              <a:rPr lang="ko-KR" altLang="en-US" dirty="0"/>
+              <a:t>연결지향형은 전화기라면 비연결지향형은 우체통임</a:t>
+            </a:r>
+            <a:endParaRPr lang="en-US" altLang="ko-KR" dirty="0"/>
+          </a:p>
+          <a:p>
+            <a:r>
+              <a:rPr lang="en-US" altLang="ko-KR" dirty="0"/>
+              <a:t>Accept(), listen()</a:t>
+            </a:r>
+            <a:r>
+              <a:rPr lang="ko-KR" altLang="en-US" dirty="0"/>
+              <a:t>같은거 안하고 그냥 원하는 우체통에 데이터 때려받는거임 못하면말고</a:t>
+            </a:r>
+            <a:r>
+              <a:rPr lang="en-US" altLang="ko-KR" dirty="0"/>
+              <a:t>,</a:t>
+            </a:r>
+            <a:r>
+              <a:rPr lang="ko-KR" altLang="en-US" dirty="0"/>
+              <a:t> 없으면말고</a:t>
+            </a:r>
+            <a:endParaRPr lang="en-US" altLang="ko-KR" dirty="0"/>
+          </a:p>
+        </p:txBody>
+      </p:sp>
+    </p:spTree>
+    <p:extLst>
+      <p:ext uri="{BB962C8B-B14F-4D97-AF65-F5344CB8AC3E}">
+        <p14:creationId xmlns:p14="http://schemas.microsoft.com/office/powerpoint/2010/main" val="3291845090"/>
+      </p:ext>
+    </p:extLst>
+  </p:cSld>
+  <p:clrMapOvr>
+    <a:masterClrMapping/>
+  </p:clrMapOvr>
+</p:sld>
+</file>
+
 <file path=ppt/slides/slide2.xml><?xml version="1.0" encoding="utf-8"?>
 <p:sld xmlns:a="http://schemas.openxmlformats.org/drawingml/2006/main" xmlns:r="http://schemas.openxmlformats.org/officeDocument/2006/relationships" xmlns:p="http://schemas.openxmlformats.org/presentationml/2006/main">
   <p:cSld>
@@ -3528,6 +5420,278 @@
     <p:extLst>
       <p:ext uri="{BB962C8B-B14F-4D97-AF65-F5344CB8AC3E}">
         <p14:creationId xmlns:p14="http://schemas.microsoft.com/office/powerpoint/2010/main" val="2198945575"/>
+      </p:ext>
+    </p:extLst>
+  </p:cSld>
+  <p:clrMapOvr>
+    <a:masterClrMapping/>
+  </p:clrMapOvr>
+</p:sld>
+</file>
+
+<file path=ppt/slides/slide20.xml><?xml version="1.0" encoding="utf-8"?>
+<p:sld xmlns:a="http://schemas.openxmlformats.org/drawingml/2006/main" xmlns:r="http://schemas.openxmlformats.org/officeDocument/2006/relationships" xmlns:p="http://schemas.openxmlformats.org/presentationml/2006/main">
+  <p:cSld>
+    <p:spTree>
+      <p:nvGrpSpPr>
+        <p:cNvPr id="1" name=""/>
+        <p:cNvGrpSpPr/>
+        <p:nvPr/>
+      </p:nvGrpSpPr>
+      <p:grpSpPr>
+        <a:xfrm>
+          <a:off x="0" y="0"/>
+          <a:ext cx="0" cy="0"/>
+          <a:chOff x="0" y="0"/>
+          <a:chExt cx="0" cy="0"/>
+        </a:xfrm>
+      </p:grpSpPr>
+      <p:sp>
+        <p:nvSpPr>
+          <p:cNvPr id="2" name="제목 1">
+            <a:extLst>
+              <a:ext uri="{FF2B5EF4-FFF2-40B4-BE49-F238E27FC236}">
+                <a16:creationId xmlns:a16="http://schemas.microsoft.com/office/drawing/2014/main" id="{8EAD3E2C-69EF-4650-AC60-F83369E1EF60}"/>
+              </a:ext>
+            </a:extLst>
+          </p:cNvPr>
+          <p:cNvSpPr>
+            <a:spLocks noGrp="1"/>
+          </p:cNvSpPr>
+          <p:nvPr>
+            <p:ph type="title"/>
+          </p:nvPr>
+        </p:nvSpPr>
+        <p:spPr/>
+        <p:txBody>
+          <a:bodyPr>
+            <a:normAutofit/>
+          </a:bodyPr>
+          <a:lstStyle/>
+          <a:p>
+            <a:r>
+              <a:rPr lang="en-US" altLang="ko-KR" sz="3000" dirty="0"/>
+              <a:t>2-2-3</a:t>
+            </a:r>
+            <a:r>
+              <a:rPr lang="ko-KR" altLang="en-US" sz="3000" dirty="0"/>
+              <a:t> 그외함수들</a:t>
+            </a:r>
+          </a:p>
+        </p:txBody>
+      </p:sp>
+      <p:sp>
+        <p:nvSpPr>
+          <p:cNvPr id="3" name="내용 개체 틀 2">
+            <a:extLst>
+              <a:ext uri="{FF2B5EF4-FFF2-40B4-BE49-F238E27FC236}">
+                <a16:creationId xmlns:a16="http://schemas.microsoft.com/office/drawing/2014/main" id="{6B9A8DAC-9900-4746-986E-2E7818F8FDF9}"/>
+              </a:ext>
+            </a:extLst>
+          </p:cNvPr>
+          <p:cNvSpPr>
+            <a:spLocks noGrp="1"/>
+          </p:cNvSpPr>
+          <p:nvPr>
+            <p:ph idx="1"/>
+          </p:nvPr>
+        </p:nvSpPr>
+        <p:spPr/>
+        <p:txBody>
+          <a:bodyPr/>
+          <a:lstStyle/>
+          <a:p>
+            <a:pPr marL="0" indent="0">
+              <a:buNone/>
+            </a:pPr>
+            <a:r>
+              <a:rPr lang="en-US" altLang="ko-KR" dirty="0">
+                <a:hlinkClick r:id="rId2"/>
+              </a:rPr>
+              <a:t>www.google.com</a:t>
+            </a:r>
+            <a:r>
+              <a:rPr lang="ko-KR" altLang="en-US" dirty="0"/>
+              <a:t> 에서 검색하면됨</a:t>
+            </a:r>
+            <a:r>
+              <a:rPr lang="en-US" altLang="ko-KR" dirty="0"/>
+              <a:t>^^</a:t>
+            </a:r>
+          </a:p>
+          <a:p>
+            <a:pPr marL="0" indent="0">
+              <a:buNone/>
+            </a:pPr>
+            <a:endParaRPr lang="en-US" altLang="ko-KR" dirty="0"/>
+          </a:p>
+        </p:txBody>
+      </p:sp>
+    </p:spTree>
+    <p:extLst>
+      <p:ext uri="{BB962C8B-B14F-4D97-AF65-F5344CB8AC3E}">
+        <p14:creationId xmlns:p14="http://schemas.microsoft.com/office/powerpoint/2010/main" val="844240772"/>
+      </p:ext>
+    </p:extLst>
+  </p:cSld>
+  <p:clrMapOvr>
+    <a:masterClrMapping/>
+  </p:clrMapOvr>
+</p:sld>
+</file>
+
+<file path=ppt/slides/slide21.xml><?xml version="1.0" encoding="utf-8"?>
+<p:sld xmlns:a="http://schemas.openxmlformats.org/drawingml/2006/main" xmlns:r="http://schemas.openxmlformats.org/officeDocument/2006/relationships" xmlns:p="http://schemas.openxmlformats.org/presentationml/2006/main">
+  <p:cSld>
+    <p:spTree>
+      <p:nvGrpSpPr>
+        <p:cNvPr id="1" name=""/>
+        <p:cNvGrpSpPr/>
+        <p:nvPr/>
+      </p:nvGrpSpPr>
+      <p:grpSpPr>
+        <a:xfrm>
+          <a:off x="0" y="0"/>
+          <a:ext cx="0" cy="0"/>
+          <a:chOff x="0" y="0"/>
+          <a:chExt cx="0" cy="0"/>
+        </a:xfrm>
+      </p:grpSpPr>
+      <p:sp>
+        <p:nvSpPr>
+          <p:cNvPr id="2" name="제목 1">
+            <a:extLst>
+              <a:ext uri="{FF2B5EF4-FFF2-40B4-BE49-F238E27FC236}">
+                <a16:creationId xmlns:a16="http://schemas.microsoft.com/office/drawing/2014/main" id="{06589551-8442-2842-9512-7EC0A5E05038}"/>
+              </a:ext>
+            </a:extLst>
+          </p:cNvPr>
+          <p:cNvSpPr>
+            <a:spLocks noGrp="1"/>
+          </p:cNvSpPr>
+          <p:nvPr>
+            <p:ph type="title"/>
+          </p:nvPr>
+        </p:nvSpPr>
+        <p:spPr/>
+        <p:txBody>
+          <a:bodyPr/>
+          <a:lstStyle/>
+          <a:p>
+            <a:r>
+              <a:rPr kumimoji="1" lang="ko-KR" altLang="en-US" dirty="0"/>
+              <a:t>예제</a:t>
+            </a:r>
+          </a:p>
+        </p:txBody>
+      </p:sp>
+      <p:sp>
+        <p:nvSpPr>
+          <p:cNvPr id="3" name="내용 개체 틀 2">
+            <a:extLst>
+              <a:ext uri="{FF2B5EF4-FFF2-40B4-BE49-F238E27FC236}">
+                <a16:creationId xmlns:a16="http://schemas.microsoft.com/office/drawing/2014/main" id="{295CC917-0E4D-8145-9C66-588A63C72CD6}"/>
+              </a:ext>
+            </a:extLst>
+          </p:cNvPr>
+          <p:cNvSpPr>
+            <a:spLocks noGrp="1"/>
+          </p:cNvSpPr>
+          <p:nvPr>
+            <p:ph idx="1"/>
+          </p:nvPr>
+        </p:nvSpPr>
+        <p:spPr/>
+        <p:txBody>
+          <a:bodyPr/>
+          <a:lstStyle/>
+          <a:p>
+            <a:r>
+              <a:rPr kumimoji="1" lang="en-US" altLang="ko-KR" dirty="0"/>
+              <a:t>1_echo</a:t>
+            </a:r>
+            <a:r>
+              <a:rPr kumimoji="1" lang="ko-KR" altLang="en-US" dirty="0"/>
+              <a:t>를 보세요</a:t>
+            </a:r>
+            <a:r>
+              <a:rPr kumimoji="1" lang="en-US" altLang="ko-KR" dirty="0"/>
+              <a:t>.</a:t>
+            </a:r>
+            <a:endParaRPr kumimoji="1" lang="ko-KR" altLang="en-US" dirty="0"/>
+          </a:p>
+        </p:txBody>
+      </p:sp>
+    </p:spTree>
+    <p:extLst>
+      <p:ext uri="{BB962C8B-B14F-4D97-AF65-F5344CB8AC3E}">
+        <p14:creationId xmlns:p14="http://schemas.microsoft.com/office/powerpoint/2010/main" val="1958274264"/>
+      </p:ext>
+    </p:extLst>
+  </p:cSld>
+  <p:clrMapOvr>
+    <a:masterClrMapping/>
+  </p:clrMapOvr>
+</p:sld>
+</file>
+
+<file path=ppt/slides/slide22.xml><?xml version="1.0" encoding="utf-8"?>
+<p:sld xmlns:a="http://schemas.openxmlformats.org/drawingml/2006/main" xmlns:r="http://schemas.openxmlformats.org/officeDocument/2006/relationships" xmlns:p="http://schemas.openxmlformats.org/presentationml/2006/main">
+  <p:cSld>
+    <p:spTree>
+      <p:nvGrpSpPr>
+        <p:cNvPr id="1" name=""/>
+        <p:cNvGrpSpPr/>
+        <p:nvPr/>
+      </p:nvGrpSpPr>
+      <p:grpSpPr>
+        <a:xfrm>
+          <a:off x="0" y="0"/>
+          <a:ext cx="0" cy="0"/>
+          <a:chOff x="0" y="0"/>
+          <a:chExt cx="0" cy="0"/>
+        </a:xfrm>
+      </p:grpSpPr>
+      <p:sp>
+        <p:nvSpPr>
+          <p:cNvPr id="2" name="제목 1">
+            <a:extLst>
+              <a:ext uri="{FF2B5EF4-FFF2-40B4-BE49-F238E27FC236}">
+                <a16:creationId xmlns:a16="http://schemas.microsoft.com/office/drawing/2014/main" id="{A6B3432F-D25E-3041-A036-48A8F616D276}"/>
+              </a:ext>
+            </a:extLst>
+          </p:cNvPr>
+          <p:cNvSpPr>
+            <a:spLocks noGrp="1"/>
+          </p:cNvSpPr>
+          <p:nvPr>
+            <p:ph type="title"/>
+          </p:nvPr>
+        </p:nvSpPr>
+        <p:spPr/>
+        <p:txBody>
+          <a:bodyPr/>
+          <a:lstStyle/>
+          <a:p>
+            <a:r>
+              <a:rPr lang="en-US" altLang="ko-KR" dirty="0"/>
+              <a:t>2-3</a:t>
+            </a:r>
+            <a:r>
+              <a:rPr lang="ko-KR" altLang="en-US" dirty="0"/>
+              <a:t> 스레드</a:t>
+            </a:r>
+            <a:br>
+              <a:rPr lang="en-US" altLang="ko-KR" dirty="0"/>
+            </a:br>
+            <a:endParaRPr kumimoji="1" lang="ko-KR" altLang="en-US" dirty="0"/>
+          </a:p>
+        </p:txBody>
+      </p:sp>
+    </p:spTree>
+    <p:extLst>
+      <p:ext uri="{BB962C8B-B14F-4D97-AF65-F5344CB8AC3E}">
+        <p14:creationId xmlns:p14="http://schemas.microsoft.com/office/powerpoint/2010/main" val="3913625194"/>
       </p:ext>
     </p:extLst>
   </p:cSld>
@@ -3577,11 +5741,11 @@
           <a:p>
             <a:r>
               <a:rPr lang="en-US" altLang="ko-KR" dirty="0"/>
-              <a:t>2-1-1 </a:t>
-            </a:r>
-            <a:r>
-              <a:rPr lang="ko-KR" altLang="en-US" dirty="0"/>
-              <a:t>소켓이란</a:t>
+              <a:t>2-1 </a:t>
+            </a:r>
+            <a:r>
+              <a:rPr lang="ko-KR" altLang="en-US" dirty="0"/>
+              <a:t>소켓</a:t>
             </a:r>
           </a:p>
         </p:txBody>
@@ -3620,13 +5784,6 @@
               <a:rPr lang="en-US" altLang="ko-KR" dirty="0"/>
               <a:t>.</a:t>
             </a:r>
-          </a:p>
-          <a:p>
-            <a:r>
-              <a:rPr lang="ko-KR" altLang="en-US" dirty="0"/>
-              <a:t>이강희 천재</a:t>
-            </a:r>
-            <a:endParaRPr lang="en-US" altLang="ko-KR" dirty="0"/>
           </a:p>
           <a:p>
             <a:endParaRPr lang="ko-KR" altLang="en-US" dirty="0"/>
@@ -4131,10 +6288,6 @@
           <a:bodyPr/>
           <a:lstStyle/>
           <a:p>
-            <a:pPr lvl="1"/>
-            <a:endParaRPr lang="en-US" altLang="ko-KR" dirty="0"/>
-          </a:p>
-          <a:p>
             <a:r>
               <a:rPr lang="ko-KR" altLang="en-US" dirty="0"/>
               <a:t>서버</a:t>
@@ -4155,6 +6308,1017 @@
               <a:t>온라인 게임 서버도 이 구조를 바탕으로 만들어짐</a:t>
             </a:r>
             <a:endParaRPr lang="en-US" altLang="ko-KR" dirty="0"/>
+          </a:p>
+        </p:txBody>
+      </p:sp>
+      <p:sp>
+        <p:nvSpPr>
+          <p:cNvPr id="4" name="직사각형 3">
+            <a:extLst>
+              <a:ext uri="{FF2B5EF4-FFF2-40B4-BE49-F238E27FC236}">
+                <a16:creationId xmlns:a16="http://schemas.microsoft.com/office/drawing/2014/main" id="{A5910ACF-EE1B-A842-BEA0-1BEE422CC089}"/>
+              </a:ext>
+            </a:extLst>
+          </p:cNvPr>
+          <p:cNvSpPr/>
+          <p:nvPr/>
+        </p:nvSpPr>
+        <p:spPr>
+          <a:xfrm>
+            <a:off x="4066162" y="3085915"/>
+            <a:ext cx="1186775" cy="428017"/>
+          </a:xfrm>
+          <a:prstGeom prst="rect">
+            <a:avLst/>
+          </a:prstGeom>
+        </p:spPr>
+        <p:style>
+          <a:lnRef idx="2">
+            <a:schemeClr val="accent1">
+              <a:shade val="50000"/>
+            </a:schemeClr>
+          </a:lnRef>
+          <a:fillRef idx="1">
+            <a:schemeClr val="accent1"/>
+          </a:fillRef>
+          <a:effectRef idx="0">
+            <a:schemeClr val="accent1"/>
+          </a:effectRef>
+          <a:fontRef idx="minor">
+            <a:schemeClr val="lt1"/>
+          </a:fontRef>
+        </p:style>
+        <p:txBody>
+          <a:bodyPr rtlCol="0" anchor="ctr"/>
+          <a:lstStyle/>
+          <a:p>
+            <a:pPr algn="ctr"/>
+            <a:r>
+              <a:rPr kumimoji="1" lang="en-US" altLang="ko-KR" sz="1000" dirty="0"/>
+              <a:t>Socket()</a:t>
+            </a:r>
+            <a:endParaRPr kumimoji="1" lang="ko-KR" altLang="en-US" sz="1000" dirty="0"/>
+          </a:p>
+        </p:txBody>
+      </p:sp>
+      <p:sp>
+        <p:nvSpPr>
+          <p:cNvPr id="5" name="직사각형 4">
+            <a:extLst>
+              <a:ext uri="{FF2B5EF4-FFF2-40B4-BE49-F238E27FC236}">
+                <a16:creationId xmlns:a16="http://schemas.microsoft.com/office/drawing/2014/main" id="{9B377E1C-F76D-2448-B8F5-DDB0E3245628}"/>
+              </a:ext>
+            </a:extLst>
+          </p:cNvPr>
+          <p:cNvSpPr/>
+          <p:nvPr/>
+        </p:nvSpPr>
+        <p:spPr>
+          <a:xfrm>
+            <a:off x="4066163" y="3651115"/>
+            <a:ext cx="1186775" cy="428017"/>
+          </a:xfrm>
+          <a:prstGeom prst="rect">
+            <a:avLst/>
+          </a:prstGeom>
+        </p:spPr>
+        <p:style>
+          <a:lnRef idx="2">
+            <a:schemeClr val="accent1">
+              <a:shade val="50000"/>
+            </a:schemeClr>
+          </a:lnRef>
+          <a:fillRef idx="1">
+            <a:schemeClr val="accent1"/>
+          </a:fillRef>
+          <a:effectRef idx="0">
+            <a:schemeClr val="accent1"/>
+          </a:effectRef>
+          <a:fontRef idx="minor">
+            <a:schemeClr val="lt1"/>
+          </a:fontRef>
+        </p:style>
+        <p:txBody>
+          <a:bodyPr rtlCol="0" anchor="ctr"/>
+          <a:lstStyle/>
+          <a:p>
+            <a:pPr algn="ctr"/>
+            <a:r>
+              <a:rPr kumimoji="1" lang="en-US" altLang="ko-KR" sz="1000" dirty="0"/>
+              <a:t>Connect()</a:t>
+            </a:r>
+            <a:endParaRPr kumimoji="1" lang="ko-KR" altLang="en-US" sz="1000" dirty="0"/>
+          </a:p>
+        </p:txBody>
+      </p:sp>
+      <p:sp>
+        <p:nvSpPr>
+          <p:cNvPr id="6" name="직사각형 5">
+            <a:extLst>
+              <a:ext uri="{FF2B5EF4-FFF2-40B4-BE49-F238E27FC236}">
+                <a16:creationId xmlns:a16="http://schemas.microsoft.com/office/drawing/2014/main" id="{22D98E48-9CFF-9843-B502-A65034816B44}"/>
+              </a:ext>
+            </a:extLst>
+          </p:cNvPr>
+          <p:cNvSpPr/>
+          <p:nvPr/>
+        </p:nvSpPr>
+        <p:spPr>
+          <a:xfrm>
+            <a:off x="4066163" y="5180972"/>
+            <a:ext cx="1186775" cy="428017"/>
+          </a:xfrm>
+          <a:prstGeom prst="rect">
+            <a:avLst/>
+          </a:prstGeom>
+        </p:spPr>
+        <p:style>
+          <a:lnRef idx="2">
+            <a:schemeClr val="accent1">
+              <a:shade val="50000"/>
+            </a:schemeClr>
+          </a:lnRef>
+          <a:fillRef idx="1">
+            <a:schemeClr val="accent1"/>
+          </a:fillRef>
+          <a:effectRef idx="0">
+            <a:schemeClr val="accent1"/>
+          </a:effectRef>
+          <a:fontRef idx="minor">
+            <a:schemeClr val="lt1"/>
+          </a:fontRef>
+        </p:style>
+        <p:txBody>
+          <a:bodyPr rtlCol="0" anchor="ctr"/>
+          <a:lstStyle/>
+          <a:p>
+            <a:pPr algn="ctr"/>
+            <a:r>
+              <a:rPr kumimoji="1" lang="en-US" altLang="ko-KR" sz="1000" dirty="0" err="1"/>
+              <a:t>Recv</a:t>
+            </a:r>
+            <a:r>
+              <a:rPr kumimoji="1" lang="en-US" altLang="ko-KR" sz="1000" dirty="0"/>
+              <a:t>(), send()</a:t>
+            </a:r>
+            <a:endParaRPr kumimoji="1" lang="ko-KR" altLang="en-US" sz="1000" dirty="0"/>
+          </a:p>
+        </p:txBody>
+      </p:sp>
+      <p:sp>
+        <p:nvSpPr>
+          <p:cNvPr id="7" name="직사각형 6">
+            <a:extLst>
+              <a:ext uri="{FF2B5EF4-FFF2-40B4-BE49-F238E27FC236}">
+                <a16:creationId xmlns:a16="http://schemas.microsoft.com/office/drawing/2014/main" id="{3A94520A-D714-764F-9191-B54B33CDFAAA}"/>
+              </a:ext>
+            </a:extLst>
+          </p:cNvPr>
+          <p:cNvSpPr/>
+          <p:nvPr/>
+        </p:nvSpPr>
+        <p:spPr>
+          <a:xfrm>
+            <a:off x="4066161" y="5839698"/>
+            <a:ext cx="1186775" cy="428017"/>
+          </a:xfrm>
+          <a:prstGeom prst="rect">
+            <a:avLst/>
+          </a:prstGeom>
+        </p:spPr>
+        <p:style>
+          <a:lnRef idx="2">
+            <a:schemeClr val="accent1">
+              <a:shade val="50000"/>
+            </a:schemeClr>
+          </a:lnRef>
+          <a:fillRef idx="1">
+            <a:schemeClr val="accent1"/>
+          </a:fillRef>
+          <a:effectRef idx="0">
+            <a:schemeClr val="accent1"/>
+          </a:effectRef>
+          <a:fontRef idx="minor">
+            <a:schemeClr val="lt1"/>
+          </a:fontRef>
+        </p:style>
+        <p:txBody>
+          <a:bodyPr rtlCol="0" anchor="ctr"/>
+          <a:lstStyle/>
+          <a:p>
+            <a:pPr algn="ctr"/>
+            <a:r>
+              <a:rPr kumimoji="1" lang="en-US" altLang="ko-KR" sz="1000" dirty="0" err="1"/>
+              <a:t>Closesocket</a:t>
+            </a:r>
+            <a:r>
+              <a:rPr kumimoji="1" lang="en-US" altLang="ko-KR" sz="1000" dirty="0"/>
+              <a:t>()</a:t>
+            </a:r>
+            <a:endParaRPr kumimoji="1" lang="ko-KR" altLang="en-US" sz="1000" dirty="0"/>
+          </a:p>
+        </p:txBody>
+      </p:sp>
+      <p:sp>
+        <p:nvSpPr>
+          <p:cNvPr id="8" name="직사각형 7">
+            <a:extLst>
+              <a:ext uri="{FF2B5EF4-FFF2-40B4-BE49-F238E27FC236}">
+                <a16:creationId xmlns:a16="http://schemas.microsoft.com/office/drawing/2014/main" id="{173DD956-65D0-EA4B-A4CD-DC3498A2FA8C}"/>
+              </a:ext>
+            </a:extLst>
+          </p:cNvPr>
+          <p:cNvSpPr/>
+          <p:nvPr/>
+        </p:nvSpPr>
+        <p:spPr>
+          <a:xfrm>
+            <a:off x="6096000" y="2950722"/>
+            <a:ext cx="1186775" cy="428017"/>
+          </a:xfrm>
+          <a:prstGeom prst="rect">
+            <a:avLst/>
+          </a:prstGeom>
+        </p:spPr>
+        <p:style>
+          <a:lnRef idx="2">
+            <a:schemeClr val="accent1">
+              <a:shade val="50000"/>
+            </a:schemeClr>
+          </a:lnRef>
+          <a:fillRef idx="1">
+            <a:schemeClr val="accent1"/>
+          </a:fillRef>
+          <a:effectRef idx="0">
+            <a:schemeClr val="accent1"/>
+          </a:effectRef>
+          <a:fontRef idx="minor">
+            <a:schemeClr val="lt1"/>
+          </a:fontRef>
+        </p:style>
+        <p:txBody>
+          <a:bodyPr rtlCol="0" anchor="ctr"/>
+          <a:lstStyle/>
+          <a:p>
+            <a:pPr algn="ctr"/>
+            <a:r>
+              <a:rPr kumimoji="1" lang="en-US" altLang="ko-KR" sz="1000" dirty="0"/>
+              <a:t>Socket()</a:t>
+            </a:r>
+            <a:endParaRPr kumimoji="1" lang="ko-KR" altLang="en-US" sz="1000" dirty="0"/>
+          </a:p>
+        </p:txBody>
+      </p:sp>
+      <p:sp>
+        <p:nvSpPr>
+          <p:cNvPr id="9" name="직사각형 8">
+            <a:extLst>
+              <a:ext uri="{FF2B5EF4-FFF2-40B4-BE49-F238E27FC236}">
+                <a16:creationId xmlns:a16="http://schemas.microsoft.com/office/drawing/2014/main" id="{C7461710-478C-FD4F-AFDA-AEAC326ADEAA}"/>
+              </a:ext>
+            </a:extLst>
+          </p:cNvPr>
+          <p:cNvSpPr/>
+          <p:nvPr/>
+        </p:nvSpPr>
+        <p:spPr>
+          <a:xfrm>
+            <a:off x="6096001" y="3515922"/>
+            <a:ext cx="1186775" cy="428017"/>
+          </a:xfrm>
+          <a:prstGeom prst="rect">
+            <a:avLst/>
+          </a:prstGeom>
+        </p:spPr>
+        <p:style>
+          <a:lnRef idx="2">
+            <a:schemeClr val="accent1">
+              <a:shade val="50000"/>
+            </a:schemeClr>
+          </a:lnRef>
+          <a:fillRef idx="1">
+            <a:schemeClr val="accent1"/>
+          </a:fillRef>
+          <a:effectRef idx="0">
+            <a:schemeClr val="accent1"/>
+          </a:effectRef>
+          <a:fontRef idx="minor">
+            <a:schemeClr val="lt1"/>
+          </a:fontRef>
+        </p:style>
+        <p:txBody>
+          <a:bodyPr rtlCol="0" anchor="ctr"/>
+          <a:lstStyle/>
+          <a:p>
+            <a:pPr algn="ctr"/>
+            <a:r>
+              <a:rPr kumimoji="1" lang="en-US" altLang="ko-KR" sz="1000" dirty="0"/>
+              <a:t>bind()</a:t>
+            </a:r>
+            <a:endParaRPr kumimoji="1" lang="ko-KR" altLang="en-US" sz="1000" dirty="0"/>
+          </a:p>
+        </p:txBody>
+      </p:sp>
+      <p:sp>
+        <p:nvSpPr>
+          <p:cNvPr id="10" name="직사각형 9">
+            <a:extLst>
+              <a:ext uri="{FF2B5EF4-FFF2-40B4-BE49-F238E27FC236}">
+                <a16:creationId xmlns:a16="http://schemas.microsoft.com/office/drawing/2014/main" id="{061D506F-3FFE-C341-B9D1-7866F2014EDD}"/>
+              </a:ext>
+            </a:extLst>
+          </p:cNvPr>
+          <p:cNvSpPr/>
+          <p:nvPr/>
+        </p:nvSpPr>
+        <p:spPr>
+          <a:xfrm>
+            <a:off x="6096001" y="4133999"/>
+            <a:ext cx="1186775" cy="428017"/>
+          </a:xfrm>
+          <a:prstGeom prst="rect">
+            <a:avLst/>
+          </a:prstGeom>
+        </p:spPr>
+        <p:style>
+          <a:lnRef idx="2">
+            <a:schemeClr val="accent1">
+              <a:shade val="50000"/>
+            </a:schemeClr>
+          </a:lnRef>
+          <a:fillRef idx="1">
+            <a:schemeClr val="accent1"/>
+          </a:fillRef>
+          <a:effectRef idx="0">
+            <a:schemeClr val="accent1"/>
+          </a:effectRef>
+          <a:fontRef idx="minor">
+            <a:schemeClr val="lt1"/>
+          </a:fontRef>
+        </p:style>
+        <p:txBody>
+          <a:bodyPr rtlCol="0" anchor="ctr"/>
+          <a:lstStyle/>
+          <a:p>
+            <a:pPr algn="ctr"/>
+            <a:r>
+              <a:rPr kumimoji="1" lang="en-US" altLang="ko-KR" sz="1000" dirty="0"/>
+              <a:t>Listen()</a:t>
+            </a:r>
+            <a:endParaRPr kumimoji="1" lang="ko-KR" altLang="en-US" sz="1000" dirty="0"/>
+          </a:p>
+        </p:txBody>
+      </p:sp>
+      <p:sp>
+        <p:nvSpPr>
+          <p:cNvPr id="11" name="직사각형 10">
+            <a:extLst>
+              <a:ext uri="{FF2B5EF4-FFF2-40B4-BE49-F238E27FC236}">
+                <a16:creationId xmlns:a16="http://schemas.microsoft.com/office/drawing/2014/main" id="{A131DC2D-9091-0D48-863A-C660A182B8F3}"/>
+              </a:ext>
+            </a:extLst>
+          </p:cNvPr>
+          <p:cNvSpPr/>
+          <p:nvPr/>
+        </p:nvSpPr>
+        <p:spPr>
+          <a:xfrm>
+            <a:off x="6096001" y="4696953"/>
+            <a:ext cx="1186775" cy="428017"/>
+          </a:xfrm>
+          <a:prstGeom prst="rect">
+            <a:avLst/>
+          </a:prstGeom>
+        </p:spPr>
+        <p:style>
+          <a:lnRef idx="2">
+            <a:schemeClr val="accent1">
+              <a:shade val="50000"/>
+            </a:schemeClr>
+          </a:lnRef>
+          <a:fillRef idx="1">
+            <a:schemeClr val="accent1"/>
+          </a:fillRef>
+          <a:effectRef idx="0">
+            <a:schemeClr val="accent1"/>
+          </a:effectRef>
+          <a:fontRef idx="minor">
+            <a:schemeClr val="lt1"/>
+          </a:fontRef>
+        </p:style>
+        <p:txBody>
+          <a:bodyPr rtlCol="0" anchor="ctr"/>
+          <a:lstStyle/>
+          <a:p>
+            <a:pPr algn="ctr"/>
+            <a:r>
+              <a:rPr kumimoji="1" lang="en-US" altLang="ko-KR" sz="1000" dirty="0"/>
+              <a:t>accept()</a:t>
+            </a:r>
+            <a:endParaRPr kumimoji="1" lang="ko-KR" altLang="en-US" sz="1000" dirty="0"/>
+          </a:p>
+        </p:txBody>
+      </p:sp>
+      <p:sp>
+        <p:nvSpPr>
+          <p:cNvPr id="12" name="직사각형 11">
+            <a:extLst>
+              <a:ext uri="{FF2B5EF4-FFF2-40B4-BE49-F238E27FC236}">
+                <a16:creationId xmlns:a16="http://schemas.microsoft.com/office/drawing/2014/main" id="{B146803B-02B8-584D-BD83-9146A76385A9}"/>
+              </a:ext>
+            </a:extLst>
+          </p:cNvPr>
+          <p:cNvSpPr/>
+          <p:nvPr/>
+        </p:nvSpPr>
+        <p:spPr>
+          <a:xfrm>
+            <a:off x="6096000" y="6282717"/>
+            <a:ext cx="1186775" cy="428017"/>
+          </a:xfrm>
+          <a:prstGeom prst="rect">
+            <a:avLst/>
+          </a:prstGeom>
+        </p:spPr>
+        <p:style>
+          <a:lnRef idx="2">
+            <a:schemeClr val="accent1">
+              <a:shade val="50000"/>
+            </a:schemeClr>
+          </a:lnRef>
+          <a:fillRef idx="1">
+            <a:schemeClr val="accent1"/>
+          </a:fillRef>
+          <a:effectRef idx="0">
+            <a:schemeClr val="accent1"/>
+          </a:effectRef>
+          <a:fontRef idx="minor">
+            <a:schemeClr val="lt1"/>
+          </a:fontRef>
+        </p:style>
+        <p:txBody>
+          <a:bodyPr rtlCol="0" anchor="ctr"/>
+          <a:lstStyle/>
+          <a:p>
+            <a:pPr algn="ctr"/>
+            <a:r>
+              <a:rPr kumimoji="1" lang="en-US" altLang="ko-KR" sz="1000" dirty="0" err="1"/>
+              <a:t>closesocket</a:t>
+            </a:r>
+            <a:r>
+              <a:rPr kumimoji="1" lang="en-US" altLang="ko-KR" sz="1000" dirty="0"/>
+              <a:t>()</a:t>
+            </a:r>
+            <a:endParaRPr kumimoji="1" lang="ko-KR" altLang="en-US" sz="1000" dirty="0"/>
+          </a:p>
+        </p:txBody>
+      </p:sp>
+      <p:sp>
+        <p:nvSpPr>
+          <p:cNvPr id="13" name="직사각형 12">
+            <a:extLst>
+              <a:ext uri="{FF2B5EF4-FFF2-40B4-BE49-F238E27FC236}">
+                <a16:creationId xmlns:a16="http://schemas.microsoft.com/office/drawing/2014/main" id="{80CCEAEA-AF8E-FE49-825B-9ABBCD32582C}"/>
+              </a:ext>
+            </a:extLst>
+          </p:cNvPr>
+          <p:cNvSpPr/>
+          <p:nvPr/>
+        </p:nvSpPr>
+        <p:spPr>
+          <a:xfrm>
+            <a:off x="6096000" y="5710623"/>
+            <a:ext cx="1186775" cy="428017"/>
+          </a:xfrm>
+          <a:prstGeom prst="rect">
+            <a:avLst/>
+          </a:prstGeom>
+        </p:spPr>
+        <p:style>
+          <a:lnRef idx="2">
+            <a:schemeClr val="accent1">
+              <a:shade val="50000"/>
+            </a:schemeClr>
+          </a:lnRef>
+          <a:fillRef idx="1">
+            <a:schemeClr val="accent1"/>
+          </a:fillRef>
+          <a:effectRef idx="0">
+            <a:schemeClr val="accent1"/>
+          </a:effectRef>
+          <a:fontRef idx="minor">
+            <a:schemeClr val="lt1"/>
+          </a:fontRef>
+        </p:style>
+        <p:txBody>
+          <a:bodyPr rtlCol="0" anchor="ctr"/>
+          <a:lstStyle/>
+          <a:p>
+            <a:pPr algn="ctr"/>
+            <a:r>
+              <a:rPr kumimoji="1" lang="en-US" altLang="ko-KR" sz="1000" dirty="0" err="1"/>
+              <a:t>Recv</a:t>
+            </a:r>
+            <a:r>
+              <a:rPr kumimoji="1" lang="en-US" altLang="ko-KR" sz="1000" dirty="0"/>
+              <a:t>(), send()</a:t>
+            </a:r>
+            <a:endParaRPr kumimoji="1" lang="ko-KR" altLang="en-US" sz="1000" dirty="0"/>
+          </a:p>
+        </p:txBody>
+      </p:sp>
+      <p:cxnSp>
+        <p:nvCxnSpPr>
+          <p:cNvPr id="15" name="직선 화살표 연결선 14">
+            <a:extLst>
+              <a:ext uri="{FF2B5EF4-FFF2-40B4-BE49-F238E27FC236}">
+                <a16:creationId xmlns:a16="http://schemas.microsoft.com/office/drawing/2014/main" id="{58CD2D2A-2A71-6449-813F-32F2E6F8A4F4}"/>
+              </a:ext>
+            </a:extLst>
+          </p:cNvPr>
+          <p:cNvCxnSpPr>
+            <a:stCxn id="4" idx="2"/>
+            <a:endCxn id="5" idx="0"/>
+          </p:cNvCxnSpPr>
+          <p:nvPr/>
+        </p:nvCxnSpPr>
+        <p:spPr>
+          <a:xfrm>
+            <a:off x="4659550" y="3513932"/>
+            <a:ext cx="1" cy="137183"/>
+          </a:xfrm>
+          <a:prstGeom prst="straightConnector1">
+            <a:avLst/>
+          </a:prstGeom>
+          <a:ln>
+            <a:tailEnd type="triangle"/>
+          </a:ln>
+        </p:spPr>
+        <p:style>
+          <a:lnRef idx="1">
+            <a:schemeClr val="accent1"/>
+          </a:lnRef>
+          <a:fillRef idx="0">
+            <a:schemeClr val="accent1"/>
+          </a:fillRef>
+          <a:effectRef idx="0">
+            <a:schemeClr val="accent1"/>
+          </a:effectRef>
+          <a:fontRef idx="minor">
+            <a:schemeClr val="tx1"/>
+          </a:fontRef>
+        </p:style>
+      </p:cxnSp>
+      <p:cxnSp>
+        <p:nvCxnSpPr>
+          <p:cNvPr id="16" name="직선 화살표 연결선 15">
+            <a:extLst>
+              <a:ext uri="{FF2B5EF4-FFF2-40B4-BE49-F238E27FC236}">
+                <a16:creationId xmlns:a16="http://schemas.microsoft.com/office/drawing/2014/main" id="{875D4DEB-D7B3-B54D-8DB0-A3354DB1C1A1}"/>
+              </a:ext>
+            </a:extLst>
+          </p:cNvPr>
+          <p:cNvCxnSpPr>
+            <a:cxnSpLocks/>
+            <a:stCxn id="5" idx="2"/>
+            <a:endCxn id="6" idx="0"/>
+          </p:cNvCxnSpPr>
+          <p:nvPr/>
+        </p:nvCxnSpPr>
+        <p:spPr>
+          <a:xfrm>
+            <a:off x="4659551" y="4079132"/>
+            <a:ext cx="0" cy="1101840"/>
+          </a:xfrm>
+          <a:prstGeom prst="straightConnector1">
+            <a:avLst/>
+          </a:prstGeom>
+          <a:ln>
+            <a:tailEnd type="triangle"/>
+          </a:ln>
+        </p:spPr>
+        <p:style>
+          <a:lnRef idx="1">
+            <a:schemeClr val="accent1"/>
+          </a:lnRef>
+          <a:fillRef idx="0">
+            <a:schemeClr val="accent1"/>
+          </a:fillRef>
+          <a:effectRef idx="0">
+            <a:schemeClr val="accent1"/>
+          </a:effectRef>
+          <a:fontRef idx="minor">
+            <a:schemeClr val="tx1"/>
+          </a:fontRef>
+        </p:style>
+      </p:cxnSp>
+      <p:cxnSp>
+        <p:nvCxnSpPr>
+          <p:cNvPr id="19" name="직선 화살표 연결선 18">
+            <a:extLst>
+              <a:ext uri="{FF2B5EF4-FFF2-40B4-BE49-F238E27FC236}">
+                <a16:creationId xmlns:a16="http://schemas.microsoft.com/office/drawing/2014/main" id="{21E74714-BE61-2C4D-BFBA-5A25D935A8D5}"/>
+              </a:ext>
+            </a:extLst>
+          </p:cNvPr>
+          <p:cNvCxnSpPr>
+            <a:cxnSpLocks/>
+            <a:stCxn id="6" idx="2"/>
+            <a:endCxn id="7" idx="0"/>
+          </p:cNvCxnSpPr>
+          <p:nvPr/>
+        </p:nvCxnSpPr>
+        <p:spPr>
+          <a:xfrm flipH="1">
+            <a:off x="4659549" y="5608989"/>
+            <a:ext cx="2" cy="230709"/>
+          </a:xfrm>
+          <a:prstGeom prst="straightConnector1">
+            <a:avLst/>
+          </a:prstGeom>
+          <a:ln>
+            <a:tailEnd type="triangle"/>
+          </a:ln>
+        </p:spPr>
+        <p:style>
+          <a:lnRef idx="1">
+            <a:schemeClr val="accent1"/>
+          </a:lnRef>
+          <a:fillRef idx="0">
+            <a:schemeClr val="accent1"/>
+          </a:fillRef>
+          <a:effectRef idx="0">
+            <a:schemeClr val="accent1"/>
+          </a:effectRef>
+          <a:fontRef idx="minor">
+            <a:schemeClr val="tx1"/>
+          </a:fontRef>
+        </p:style>
+      </p:cxnSp>
+      <p:cxnSp>
+        <p:nvCxnSpPr>
+          <p:cNvPr id="27" name="직선 화살표 연결선 26">
+            <a:extLst>
+              <a:ext uri="{FF2B5EF4-FFF2-40B4-BE49-F238E27FC236}">
+                <a16:creationId xmlns:a16="http://schemas.microsoft.com/office/drawing/2014/main" id="{F5623242-9950-D14F-9332-885482D4202F}"/>
+              </a:ext>
+            </a:extLst>
+          </p:cNvPr>
+          <p:cNvCxnSpPr>
+            <a:stCxn id="8" idx="2"/>
+            <a:endCxn id="9" idx="0"/>
+          </p:cNvCxnSpPr>
+          <p:nvPr/>
+        </p:nvCxnSpPr>
+        <p:spPr>
+          <a:xfrm>
+            <a:off x="6689388" y="3378739"/>
+            <a:ext cx="1" cy="137183"/>
+          </a:xfrm>
+          <a:prstGeom prst="straightConnector1">
+            <a:avLst/>
+          </a:prstGeom>
+          <a:ln>
+            <a:tailEnd type="triangle"/>
+          </a:ln>
+        </p:spPr>
+        <p:style>
+          <a:lnRef idx="1">
+            <a:schemeClr val="accent1"/>
+          </a:lnRef>
+          <a:fillRef idx="0">
+            <a:schemeClr val="accent1"/>
+          </a:fillRef>
+          <a:effectRef idx="0">
+            <a:schemeClr val="accent1"/>
+          </a:effectRef>
+          <a:fontRef idx="minor">
+            <a:schemeClr val="tx1"/>
+          </a:fontRef>
+        </p:style>
+      </p:cxnSp>
+      <p:cxnSp>
+        <p:nvCxnSpPr>
+          <p:cNvPr id="28" name="직선 화살표 연결선 27">
+            <a:extLst>
+              <a:ext uri="{FF2B5EF4-FFF2-40B4-BE49-F238E27FC236}">
+                <a16:creationId xmlns:a16="http://schemas.microsoft.com/office/drawing/2014/main" id="{7A0BF9B1-58D5-3B49-96DA-EDBA11068894}"/>
+              </a:ext>
+            </a:extLst>
+          </p:cNvPr>
+          <p:cNvCxnSpPr>
+            <a:cxnSpLocks/>
+            <a:stCxn id="9" idx="2"/>
+            <a:endCxn id="10" idx="0"/>
+          </p:cNvCxnSpPr>
+          <p:nvPr/>
+        </p:nvCxnSpPr>
+        <p:spPr>
+          <a:xfrm>
+            <a:off x="6689389" y="3943939"/>
+            <a:ext cx="0" cy="190060"/>
+          </a:xfrm>
+          <a:prstGeom prst="straightConnector1">
+            <a:avLst/>
+          </a:prstGeom>
+          <a:ln>
+            <a:tailEnd type="triangle"/>
+          </a:ln>
+        </p:spPr>
+        <p:style>
+          <a:lnRef idx="1">
+            <a:schemeClr val="accent1"/>
+          </a:lnRef>
+          <a:fillRef idx="0">
+            <a:schemeClr val="accent1"/>
+          </a:fillRef>
+          <a:effectRef idx="0">
+            <a:schemeClr val="accent1"/>
+          </a:effectRef>
+          <a:fontRef idx="minor">
+            <a:schemeClr val="tx1"/>
+          </a:fontRef>
+        </p:style>
+      </p:cxnSp>
+      <p:cxnSp>
+        <p:nvCxnSpPr>
+          <p:cNvPr id="31" name="직선 화살표 연결선 30">
+            <a:extLst>
+              <a:ext uri="{FF2B5EF4-FFF2-40B4-BE49-F238E27FC236}">
+                <a16:creationId xmlns:a16="http://schemas.microsoft.com/office/drawing/2014/main" id="{03D8D8AF-B832-CA49-960B-F42EF6D852DF}"/>
+              </a:ext>
+            </a:extLst>
+          </p:cNvPr>
+          <p:cNvCxnSpPr>
+            <a:cxnSpLocks/>
+            <a:stCxn id="10" idx="2"/>
+            <a:endCxn id="11" idx="0"/>
+          </p:cNvCxnSpPr>
+          <p:nvPr/>
+        </p:nvCxnSpPr>
+        <p:spPr>
+          <a:xfrm>
+            <a:off x="6689389" y="4562016"/>
+            <a:ext cx="0" cy="134937"/>
+          </a:xfrm>
+          <a:prstGeom prst="straightConnector1">
+            <a:avLst/>
+          </a:prstGeom>
+          <a:ln>
+            <a:tailEnd type="triangle"/>
+          </a:ln>
+        </p:spPr>
+        <p:style>
+          <a:lnRef idx="1">
+            <a:schemeClr val="accent1"/>
+          </a:lnRef>
+          <a:fillRef idx="0">
+            <a:schemeClr val="accent1"/>
+          </a:fillRef>
+          <a:effectRef idx="0">
+            <a:schemeClr val="accent1"/>
+          </a:effectRef>
+          <a:fontRef idx="minor">
+            <a:schemeClr val="tx1"/>
+          </a:fontRef>
+        </p:style>
+      </p:cxnSp>
+      <p:cxnSp>
+        <p:nvCxnSpPr>
+          <p:cNvPr id="34" name="직선 화살표 연결선 33">
+            <a:extLst>
+              <a:ext uri="{FF2B5EF4-FFF2-40B4-BE49-F238E27FC236}">
+                <a16:creationId xmlns:a16="http://schemas.microsoft.com/office/drawing/2014/main" id="{C6E151B8-CD28-3246-97FE-5DAEA6E27131}"/>
+              </a:ext>
+            </a:extLst>
+          </p:cNvPr>
+          <p:cNvCxnSpPr>
+            <a:cxnSpLocks/>
+            <a:stCxn id="11" idx="2"/>
+            <a:endCxn id="13" idx="0"/>
+          </p:cNvCxnSpPr>
+          <p:nvPr/>
+        </p:nvCxnSpPr>
+        <p:spPr>
+          <a:xfrm flipH="1">
+            <a:off x="6689388" y="5124970"/>
+            <a:ext cx="1" cy="585653"/>
+          </a:xfrm>
+          <a:prstGeom prst="straightConnector1">
+            <a:avLst/>
+          </a:prstGeom>
+          <a:ln>
+            <a:tailEnd type="triangle"/>
+          </a:ln>
+        </p:spPr>
+        <p:style>
+          <a:lnRef idx="1">
+            <a:schemeClr val="accent1"/>
+          </a:lnRef>
+          <a:fillRef idx="0">
+            <a:schemeClr val="accent1"/>
+          </a:fillRef>
+          <a:effectRef idx="0">
+            <a:schemeClr val="accent1"/>
+          </a:effectRef>
+          <a:fontRef idx="minor">
+            <a:schemeClr val="tx1"/>
+          </a:fontRef>
+        </p:style>
+      </p:cxnSp>
+      <p:cxnSp>
+        <p:nvCxnSpPr>
+          <p:cNvPr id="37" name="직선 화살표 연결선 36">
+            <a:extLst>
+              <a:ext uri="{FF2B5EF4-FFF2-40B4-BE49-F238E27FC236}">
+                <a16:creationId xmlns:a16="http://schemas.microsoft.com/office/drawing/2014/main" id="{0530C2B1-D662-D045-A793-C2680E2CA2A6}"/>
+              </a:ext>
+            </a:extLst>
+          </p:cNvPr>
+          <p:cNvCxnSpPr>
+            <a:cxnSpLocks/>
+            <a:stCxn id="13" idx="2"/>
+            <a:endCxn id="12" idx="0"/>
+          </p:cNvCxnSpPr>
+          <p:nvPr/>
+        </p:nvCxnSpPr>
+        <p:spPr>
+          <a:xfrm>
+            <a:off x="6689388" y="6138640"/>
+            <a:ext cx="0" cy="144077"/>
+          </a:xfrm>
+          <a:prstGeom prst="straightConnector1">
+            <a:avLst/>
+          </a:prstGeom>
+          <a:ln>
+            <a:tailEnd type="triangle"/>
+          </a:ln>
+        </p:spPr>
+        <p:style>
+          <a:lnRef idx="1">
+            <a:schemeClr val="accent1"/>
+          </a:lnRef>
+          <a:fillRef idx="0">
+            <a:schemeClr val="accent1"/>
+          </a:fillRef>
+          <a:effectRef idx="0">
+            <a:schemeClr val="accent1"/>
+          </a:effectRef>
+          <a:fontRef idx="minor">
+            <a:schemeClr val="tx1"/>
+          </a:fontRef>
+        </p:style>
+      </p:cxnSp>
+      <p:cxnSp>
+        <p:nvCxnSpPr>
+          <p:cNvPr id="41" name="직선 화살표 연결선 40">
+            <a:extLst>
+              <a:ext uri="{FF2B5EF4-FFF2-40B4-BE49-F238E27FC236}">
+                <a16:creationId xmlns:a16="http://schemas.microsoft.com/office/drawing/2014/main" id="{020CD3F7-481D-4B4F-B5A7-A0A7581C2171}"/>
+              </a:ext>
+            </a:extLst>
+          </p:cNvPr>
+          <p:cNvCxnSpPr>
+            <a:cxnSpLocks/>
+            <a:endCxn id="11" idx="1"/>
+          </p:cNvCxnSpPr>
+          <p:nvPr/>
+        </p:nvCxnSpPr>
+        <p:spPr>
+          <a:xfrm>
+            <a:off x="4659548" y="4263958"/>
+            <a:ext cx="1436453" cy="647004"/>
+          </a:xfrm>
+          <a:prstGeom prst="straightConnector1">
+            <a:avLst/>
+          </a:prstGeom>
+          <a:ln>
+            <a:tailEnd type="triangle"/>
+          </a:ln>
+        </p:spPr>
+        <p:style>
+          <a:lnRef idx="1">
+            <a:schemeClr val="accent1"/>
+          </a:lnRef>
+          <a:fillRef idx="0">
+            <a:schemeClr val="accent1"/>
+          </a:fillRef>
+          <a:effectRef idx="0">
+            <a:schemeClr val="accent1"/>
+          </a:effectRef>
+          <a:fontRef idx="minor">
+            <a:schemeClr val="tx1"/>
+          </a:fontRef>
+        </p:style>
+      </p:cxnSp>
+      <p:cxnSp>
+        <p:nvCxnSpPr>
+          <p:cNvPr id="43" name="직선 화살표 연결선 42">
+            <a:extLst>
+              <a:ext uri="{FF2B5EF4-FFF2-40B4-BE49-F238E27FC236}">
+                <a16:creationId xmlns:a16="http://schemas.microsoft.com/office/drawing/2014/main" id="{013C5DC7-0F27-114B-AD7A-2C852D3C6420}"/>
+              </a:ext>
+            </a:extLst>
+          </p:cNvPr>
+          <p:cNvCxnSpPr>
+            <a:cxnSpLocks/>
+          </p:cNvCxnSpPr>
+          <p:nvPr/>
+        </p:nvCxnSpPr>
+        <p:spPr>
+          <a:xfrm flipH="1" flipV="1">
+            <a:off x="4659550" y="4533089"/>
+            <a:ext cx="2029837" cy="855631"/>
+          </a:xfrm>
+          <a:prstGeom prst="straightConnector1">
+            <a:avLst/>
+          </a:prstGeom>
+          <a:ln>
+            <a:tailEnd type="triangle"/>
+          </a:ln>
+        </p:spPr>
+        <p:style>
+          <a:lnRef idx="1">
+            <a:schemeClr val="accent1"/>
+          </a:lnRef>
+          <a:fillRef idx="0">
+            <a:schemeClr val="accent1"/>
+          </a:fillRef>
+          <a:effectRef idx="0">
+            <a:schemeClr val="accent1"/>
+          </a:effectRef>
+          <a:fontRef idx="minor">
+            <a:schemeClr val="tx1"/>
+          </a:fontRef>
+        </p:style>
+      </p:cxnSp>
+      <p:sp>
+        <p:nvSpPr>
+          <p:cNvPr id="47" name="텍스트상자 46">
+            <a:extLst>
+              <a:ext uri="{FF2B5EF4-FFF2-40B4-BE49-F238E27FC236}">
+                <a16:creationId xmlns:a16="http://schemas.microsoft.com/office/drawing/2014/main" id="{612456CD-FD55-1B46-98E0-DDEFF7F61237}"/>
+              </a:ext>
+            </a:extLst>
+          </p:cNvPr>
+          <p:cNvSpPr txBox="1"/>
+          <p:nvPr/>
+        </p:nvSpPr>
+        <p:spPr>
+          <a:xfrm>
+            <a:off x="5131356" y="4317968"/>
+            <a:ext cx="742511" cy="246221"/>
+          </a:xfrm>
+          <a:prstGeom prst="rect">
+            <a:avLst/>
+          </a:prstGeom>
+          <a:noFill/>
+        </p:spPr>
+        <p:txBody>
+          <a:bodyPr wrap="none" rtlCol="0">
+            <a:spAutoFit/>
+          </a:bodyPr>
+          <a:lstStyle/>
+          <a:p>
+            <a:r>
+              <a:rPr kumimoji="1" lang="ko-KR" altLang="en-US" sz="1000" dirty="0"/>
+              <a:t>연결 요청</a:t>
+            </a:r>
+          </a:p>
+        </p:txBody>
+      </p:sp>
+      <p:sp>
+        <p:nvSpPr>
+          <p:cNvPr id="48" name="텍스트상자 47">
+            <a:extLst>
+              <a:ext uri="{FF2B5EF4-FFF2-40B4-BE49-F238E27FC236}">
+                <a16:creationId xmlns:a16="http://schemas.microsoft.com/office/drawing/2014/main" id="{96C69DF3-9CA5-BF42-A2B9-1C46ABA34F91}"/>
+              </a:ext>
+            </a:extLst>
+          </p:cNvPr>
+          <p:cNvSpPr txBox="1"/>
+          <p:nvPr/>
+        </p:nvSpPr>
+        <p:spPr>
+          <a:xfrm>
+            <a:off x="5103814" y="4948727"/>
+            <a:ext cx="742511" cy="246221"/>
+          </a:xfrm>
+          <a:prstGeom prst="rect">
+            <a:avLst/>
+          </a:prstGeom>
+          <a:noFill/>
+        </p:spPr>
+        <p:txBody>
+          <a:bodyPr wrap="none" rtlCol="0">
+            <a:spAutoFit/>
+          </a:bodyPr>
+          <a:lstStyle/>
+          <a:p>
+            <a:r>
+              <a:rPr kumimoji="1" lang="ko-KR" altLang="en-US" sz="1000" dirty="0"/>
+              <a:t>연결 수락</a:t>
+            </a:r>
           </a:p>
         </p:txBody>
       </p:sp>
@@ -4310,7 +7474,83 @@
             <a:pPr lvl="1"/>
             <a:r>
               <a:rPr lang="ko-KR" altLang="en-US" dirty="0"/>
-              <a:t>첫번째 인자</a:t>
+              <a:t>첫번째 인자는 </a:t>
+            </a:r>
+            <a:r>
+              <a:rPr lang="en-US" altLang="ko-KR" dirty="0"/>
+              <a:t>Address Family </a:t>
+            </a:r>
+            <a:r>
+              <a:rPr lang="ko-KR" altLang="en-US" dirty="0"/>
+              <a:t>즉 </a:t>
+            </a:r>
+            <a:r>
+              <a:rPr lang="en-US" altLang="ko-KR" dirty="0"/>
+              <a:t>IP Type</a:t>
+            </a:r>
+            <a:r>
+              <a:rPr lang="ko-KR" altLang="en-US" dirty="0"/>
+              <a:t>이라고 이해하셈</a:t>
+            </a:r>
+            <a:endParaRPr lang="en-US" altLang="ko-KR" dirty="0"/>
+          </a:p>
+          <a:p>
+            <a:pPr lvl="2"/>
+            <a:r>
+              <a:rPr lang="en-US" altLang="ko-KR" dirty="0"/>
+              <a:t>IPv4,</a:t>
+            </a:r>
+            <a:r>
+              <a:rPr lang="ko-KR" altLang="en-US" dirty="0"/>
+              <a:t> </a:t>
+            </a:r>
+            <a:r>
+              <a:rPr lang="en-US" altLang="ko-KR" dirty="0"/>
+              <a:t>IPv6 </a:t>
+            </a:r>
+            <a:r>
+              <a:rPr lang="ko-KR" altLang="en-US" dirty="0"/>
+              <a:t>등등</a:t>
+            </a:r>
+            <a:endParaRPr lang="en-US" altLang="ko-KR" dirty="0"/>
+          </a:p>
+          <a:p>
+            <a:pPr lvl="1"/>
+            <a:r>
+              <a:rPr lang="ko-KR" altLang="en-US" dirty="0"/>
+              <a:t>두번쨰 인자 </a:t>
+            </a:r>
+            <a:r>
+              <a:rPr lang="en-US" altLang="ko-KR" dirty="0"/>
+              <a:t>type</a:t>
+            </a:r>
+            <a:r>
+              <a:rPr lang="ko-KR" altLang="en-US" dirty="0"/>
+              <a:t>은 소켓타입</a:t>
+            </a:r>
+            <a:endParaRPr lang="en-US" altLang="ko-KR" dirty="0"/>
+          </a:p>
+          <a:p>
+            <a:pPr lvl="2"/>
+            <a:r>
+              <a:rPr lang="ko-KR" altLang="en-US" dirty="0"/>
+              <a:t>스트림</a:t>
+            </a:r>
+            <a:r>
+              <a:rPr lang="en-US" altLang="ko-KR" dirty="0"/>
+              <a:t>,</a:t>
+            </a:r>
+            <a:r>
+              <a:rPr lang="ko-KR" altLang="en-US" dirty="0"/>
+              <a:t> 그램</a:t>
+            </a:r>
+            <a:endParaRPr lang="en-US" altLang="ko-KR" dirty="0"/>
+          </a:p>
+          <a:p>
+            <a:pPr lvl="1"/>
+            <a:r>
+              <a:rPr lang="ko-KR" altLang="en-US" dirty="0"/>
+              <a:t>첫번째 인자에 대한 프로토콜 타입</a:t>
             </a:r>
             <a:endParaRPr lang="en-US" altLang="ko-KR" dirty="0"/>
           </a:p>
@@ -4320,6 +7560,240 @@
     <p:extLst>
       <p:ext uri="{BB962C8B-B14F-4D97-AF65-F5344CB8AC3E}">
         <p14:creationId xmlns:p14="http://schemas.microsoft.com/office/powerpoint/2010/main" val="3831285164"/>
+      </p:ext>
+    </p:extLst>
+  </p:cSld>
+  <p:clrMapOvr>
+    <a:masterClrMapping/>
+  </p:clrMapOvr>
+</p:sld>
+</file>
+
+<file path=ppt/slides/slide9.xml><?xml version="1.0" encoding="utf-8"?>
+<p:sld xmlns:a="http://schemas.openxmlformats.org/drawingml/2006/main" xmlns:r="http://schemas.openxmlformats.org/officeDocument/2006/relationships" xmlns:p="http://schemas.openxmlformats.org/presentationml/2006/main">
+  <p:cSld>
+    <p:spTree>
+      <p:nvGrpSpPr>
+        <p:cNvPr id="1" name=""/>
+        <p:cNvGrpSpPr/>
+        <p:nvPr/>
+      </p:nvGrpSpPr>
+      <p:grpSpPr>
+        <a:xfrm>
+          <a:off x="0" y="0"/>
+          <a:ext cx="0" cy="0"/>
+          <a:chOff x="0" y="0"/>
+          <a:chExt cx="0" cy="0"/>
+        </a:xfrm>
+      </p:grpSpPr>
+      <p:sp>
+        <p:nvSpPr>
+          <p:cNvPr id="2" name="제목 1">
+            <a:extLst>
+              <a:ext uri="{FF2B5EF4-FFF2-40B4-BE49-F238E27FC236}">
+                <a16:creationId xmlns:a16="http://schemas.microsoft.com/office/drawing/2014/main" id="{8EAD3E2C-69EF-4650-AC60-F83369E1EF60}"/>
+              </a:ext>
+            </a:extLst>
+          </p:cNvPr>
+          <p:cNvSpPr>
+            <a:spLocks noGrp="1"/>
+          </p:cNvSpPr>
+          <p:nvPr>
+            <p:ph type="title"/>
+          </p:nvPr>
+        </p:nvSpPr>
+        <p:spPr/>
+        <p:txBody>
+          <a:bodyPr>
+            <a:normAutofit/>
+          </a:bodyPr>
+          <a:lstStyle/>
+          <a:p>
+            <a:r>
+              <a:rPr lang="en-US" altLang="ko-KR" sz="3000" dirty="0"/>
+              <a:t>2-2-1-1</a:t>
+            </a:r>
+            <a:r>
+              <a:rPr lang="ko-KR" altLang="en-US" sz="3000" dirty="0"/>
+              <a:t> </a:t>
+            </a:r>
+            <a:r>
+              <a:rPr lang="en-US" altLang="ko-KR" sz="3000" dirty="0"/>
+              <a:t>SOCKET socket(</a:t>
+            </a:r>
+            <a:r>
+              <a:rPr lang="en-US" altLang="ko-KR" sz="3000" dirty="0" err="1"/>
+              <a:t>int</a:t>
+            </a:r>
+            <a:r>
+              <a:rPr lang="en-US" altLang="ko-KR" sz="3000" dirty="0"/>
+              <a:t> </a:t>
+            </a:r>
+            <a:r>
+              <a:rPr lang="en-US" altLang="ko-KR" sz="3000" dirty="0" err="1"/>
+              <a:t>af</a:t>
+            </a:r>
+            <a:r>
+              <a:rPr lang="en-US" altLang="ko-KR" sz="3000" dirty="0"/>
+              <a:t>, </a:t>
+            </a:r>
+            <a:r>
+              <a:rPr lang="en-US" altLang="ko-KR" sz="3000" dirty="0" err="1"/>
+              <a:t>int</a:t>
+            </a:r>
+            <a:r>
+              <a:rPr lang="en-US" altLang="ko-KR" sz="3000" dirty="0"/>
+              <a:t> type, </a:t>
+            </a:r>
+            <a:r>
+              <a:rPr lang="en-US" altLang="ko-KR" sz="3000" dirty="0" err="1"/>
+              <a:t>int</a:t>
+            </a:r>
+            <a:r>
+              <a:rPr lang="en-US" altLang="ko-KR" sz="3000" dirty="0"/>
+              <a:t> protocol)</a:t>
+            </a:r>
+            <a:endParaRPr lang="ko-KR" altLang="en-US" sz="3000" dirty="0"/>
+          </a:p>
+        </p:txBody>
+      </p:sp>
+      <p:sp>
+        <p:nvSpPr>
+          <p:cNvPr id="3" name="내용 개체 틀 2">
+            <a:extLst>
+              <a:ext uri="{FF2B5EF4-FFF2-40B4-BE49-F238E27FC236}">
+                <a16:creationId xmlns:a16="http://schemas.microsoft.com/office/drawing/2014/main" id="{6B9A8DAC-9900-4746-986E-2E7818F8FDF9}"/>
+              </a:ext>
+            </a:extLst>
+          </p:cNvPr>
+          <p:cNvSpPr>
+            <a:spLocks noGrp="1"/>
+          </p:cNvSpPr>
+          <p:nvPr>
+            <p:ph idx="1"/>
+          </p:nvPr>
+        </p:nvSpPr>
+        <p:spPr/>
+        <p:txBody>
+          <a:bodyPr/>
+          <a:lstStyle/>
+          <a:p>
+            <a:pPr lvl="1"/>
+            <a:endParaRPr lang="en-US" altLang="ko-KR" dirty="0"/>
+          </a:p>
+          <a:p>
+            <a:r>
+              <a:rPr lang="ko-KR" altLang="en-US" dirty="0"/>
+              <a:t>소켓 생성</a:t>
+            </a:r>
+            <a:endParaRPr lang="en-US" altLang="ko-KR" dirty="0"/>
+          </a:p>
+          <a:p>
+            <a:pPr lvl="1"/>
+            <a:r>
+              <a:rPr lang="ko-KR" altLang="en-US" dirty="0"/>
+              <a:t>실패시 </a:t>
+            </a:r>
+            <a:r>
+              <a:rPr lang="en-US" altLang="ko-KR" dirty="0"/>
+              <a:t>INVAILD_SOCKET </a:t>
+            </a:r>
+            <a:r>
+              <a:rPr lang="ko-KR" altLang="en-US" dirty="0"/>
+              <a:t>반환</a:t>
+            </a:r>
+            <a:endParaRPr lang="en-US" altLang="ko-KR" dirty="0"/>
+          </a:p>
+          <a:p>
+            <a:pPr lvl="1"/>
+            <a:r>
+              <a:rPr lang="ko-KR" altLang="en-US" dirty="0"/>
+              <a:t>첫번째 인자는 </a:t>
+            </a:r>
+            <a:r>
+              <a:rPr lang="en-US" altLang="ko-KR" dirty="0"/>
+              <a:t>Address Family </a:t>
+            </a:r>
+            <a:r>
+              <a:rPr lang="ko-KR" altLang="en-US" dirty="0"/>
+              <a:t>즉 </a:t>
+            </a:r>
+            <a:r>
+              <a:rPr lang="en-US" altLang="ko-KR" dirty="0"/>
+              <a:t>IP Type</a:t>
+            </a:r>
+            <a:r>
+              <a:rPr lang="ko-KR" altLang="en-US" dirty="0"/>
+              <a:t>이라고 이해하셈</a:t>
+            </a:r>
+            <a:endParaRPr lang="en-US" altLang="ko-KR" dirty="0"/>
+          </a:p>
+          <a:p>
+            <a:pPr lvl="2"/>
+            <a:r>
+              <a:rPr lang="en-US" altLang="ko-KR" dirty="0"/>
+              <a:t>IPv4,</a:t>
+            </a:r>
+            <a:r>
+              <a:rPr lang="ko-KR" altLang="en-US" dirty="0"/>
+              <a:t> </a:t>
+            </a:r>
+            <a:r>
+              <a:rPr lang="en-US" altLang="ko-KR" dirty="0"/>
+              <a:t>IPv6 </a:t>
+            </a:r>
+            <a:r>
+              <a:rPr lang="ko-KR" altLang="en-US" dirty="0"/>
+              <a:t>등등</a:t>
+            </a:r>
+            <a:endParaRPr lang="en-US" altLang="ko-KR" dirty="0"/>
+          </a:p>
+          <a:p>
+            <a:pPr lvl="1"/>
+            <a:r>
+              <a:rPr lang="ko-KR" altLang="en-US" dirty="0"/>
+              <a:t>두번쨰 인자 </a:t>
+            </a:r>
+            <a:r>
+              <a:rPr lang="en-US" altLang="ko-KR" dirty="0"/>
+              <a:t>type</a:t>
+            </a:r>
+            <a:r>
+              <a:rPr lang="ko-KR" altLang="en-US" dirty="0"/>
+              <a:t>은 소켓타입</a:t>
+            </a:r>
+            <a:endParaRPr lang="en-US" altLang="ko-KR" dirty="0"/>
+          </a:p>
+          <a:p>
+            <a:pPr lvl="2"/>
+            <a:r>
+              <a:rPr lang="ko-KR" altLang="en-US" dirty="0"/>
+              <a:t>스트림</a:t>
+            </a:r>
+            <a:r>
+              <a:rPr lang="en-US" altLang="ko-KR" dirty="0"/>
+              <a:t>,</a:t>
+            </a:r>
+            <a:r>
+              <a:rPr lang="ko-KR" altLang="en-US" dirty="0"/>
+              <a:t> 그램</a:t>
+            </a:r>
+            <a:endParaRPr lang="en-US" altLang="ko-KR" dirty="0"/>
+          </a:p>
+          <a:p>
+            <a:pPr lvl="1"/>
+            <a:r>
+              <a:rPr lang="ko-KR" altLang="en-US" dirty="0"/>
+              <a:t>첫번째 인자에 대한 프로토콜 타입</a:t>
+            </a:r>
+            <a:endParaRPr lang="en-US" altLang="ko-KR" dirty="0"/>
+          </a:p>
+        </p:txBody>
+      </p:sp>
+    </p:spTree>
+    <p:extLst>
+      <p:ext uri="{BB962C8B-B14F-4D97-AF65-F5344CB8AC3E}">
+        <p14:creationId xmlns:p14="http://schemas.microsoft.com/office/powerpoint/2010/main" val="3722838524"/>
       </p:ext>
     </p:extLst>
   </p:cSld>
